--- a/Slides/M5 Client.pptx
+++ b/Slides/M5 Client.pptx
@@ -13,7 +13,7 @@
   </p:handoutMasterIdLst>
   <p:sldIdLst>
     <p:sldId id="271" r:id="rId6"/>
-    <p:sldId id="274" r:id="rId7"/>
+    <p:sldId id="459" r:id="rId7"/>
     <p:sldId id="283" r:id="rId8"/>
     <p:sldId id="288" r:id="rId9"/>
     <p:sldId id="414" r:id="rId10"/>
@@ -126,7 +126,7 @@
         <p14:section name="Course Introduction" id="{17A22057-09B0-47CC-835A-CE984DDFC841}">
           <p14:sldIdLst>
             <p14:sldId id="271"/>
-            <p14:sldId id="274"/>
+            <p14:sldId id="459"/>
           </p14:sldIdLst>
         </p14:section>
         <p14:section name="Module Slides" id="{2FF5E6E5-1CE0-412A-8CE0-3C6B6C89EC1C}">
@@ -239,7 +239,7 @@
           <a:p>
             <a:fld id="{312E7B4A-039C-48A2-9B2C-AF16AA3873D8}" type="datetimeFigureOut">
               <a:rPr lang="en-US" smtClean="0"/>
-              <a:t>9/22/2014</a:t>
+              <a:t>10/13/2014</a:t>
             </a:fld>
             <a:endParaRPr lang="en-US"/>
           </a:p>
@@ -404,7 +404,7 @@
           <a:p>
             <a:fld id="{DA005A0C-54D9-45AA-87D4-C551D08DFCE1}" type="datetimeFigureOut">
               <a:rPr lang="en-US" smtClean="0"/>
-              <a:t>9/22/2014</a:t>
+              <a:t>10/13/2014</a:t>
             </a:fld>
             <a:endParaRPr lang="en-US"/>
           </a:p>
@@ -841,7 +841,7 @@
     </p:spTree>
     <p:extLst>
       <p:ext uri="{BB962C8B-B14F-4D97-AF65-F5344CB8AC3E}">
-        <p14:creationId xmlns:p14="http://schemas.microsoft.com/office/powerpoint/2010/main" val="2595756465"/>
+        <p14:creationId xmlns:p14="http://schemas.microsoft.com/office/powerpoint/2010/main" val="3438509081"/>
       </p:ext>
     </p:extLst>
   </p:cSld>
@@ -6659,33 +6659,13 @@
           <a:p>
             <a:r>
               <a:rPr lang="en-US" dirty="0" smtClean="0"/>
-              <a:t>Jeremy Foster </a:t>
-            </a:r>
-            <a:r>
-              <a:rPr lang="en-US" dirty="0"/>
-              <a:t>| </a:t>
-            </a:r>
+              <a:t>Jeremy Foster</a:t>
+            </a:r>
+          </a:p>
+          <a:p>
             <a:r>
               <a:rPr lang="en-US" dirty="0" smtClean="0"/>
-              <a:t>Developer Evangelist</a:t>
-            </a:r>
-          </a:p>
-          <a:p>
-            <a:r>
-              <a:rPr lang="en-US" dirty="0" smtClean="0"/>
-              <a:t>Rachel Appel </a:t>
-            </a:r>
-            <a:r>
-              <a:rPr lang="en-US" dirty="0"/>
-              <a:t>| </a:t>
-            </a:r>
-            <a:r>
-              <a:rPr lang="en-US" dirty="0" smtClean="0">
-                <a:solidFill>
-                  <a:srgbClr val="FF0000"/>
-                </a:solidFill>
-              </a:rPr>
-              <a:t>{Title}</a:t>
+              <a:t>Christopher Harrison</a:t>
             </a:r>
             <a:endParaRPr lang="en-US" dirty="0">
               <a:solidFill>
@@ -6716,7 +6696,7 @@
           <a:p>
             <a:r>
               <a:rPr lang="en-US" sz="4000" dirty="0" smtClean="0"/>
-              <a:t>Introduction jQuery</a:t>
+              <a:t>Mobile Web</a:t>
             </a:r>
             <a:endParaRPr lang="en-US" sz="4000" dirty="0"/>
           </a:p>
@@ -6823,11 +6803,7 @@
           </p:cNvGraphicFramePr>
           <p:nvPr>
             <p:ph sz="quarter" idx="10"/>
-            <p:extLst>
-              <p:ext uri="{D42A27DB-BD31-4B8C-83A1-F6EECF244321}">
-                <p14:modId xmlns:p14="http://schemas.microsoft.com/office/powerpoint/2010/main" val="409489356"/>
-              </p:ext>
-            </p:extLst>
+            <p:extLst/>
           </p:nvPr>
         </p:nvGraphicFramePr>
         <p:xfrm>
@@ -6867,7 +6843,7 @@
                           <a:latin typeface="Segoe UI Light" panose="020B0502040204020203" pitchFamily="34" charset="0"/>
                           <a:cs typeface="Segoe UI Light" panose="020B0502040204020203" pitchFamily="34" charset="0"/>
                         </a:rPr>
-                        <a:t>Introduction to jQuery</a:t>
+                        <a:t>Mobile Web</a:t>
                       </a:r>
                       <a:endParaRPr lang="en-US" sz="3600" dirty="0">
                         <a:latin typeface="Segoe UI Light" panose="020B0502040204020203" pitchFamily="34" charset="0"/>
@@ -6904,21 +6880,14 @@
                           <a:latin typeface="Segoe UI Light" panose="020B0502040204020203" pitchFamily="34" charset="0"/>
                           <a:cs typeface="Segoe UI Light" panose="020B0502040204020203" pitchFamily="34" charset="0"/>
                         </a:rPr>
-                        <a:t>01 | </a:t>
-                      </a:r>
-                      <a:r>
-                        <a:rPr lang="en-US" sz="2400" dirty="0" smtClean="0">
-                          <a:latin typeface="Segoe UI Light" panose="020B0502040204020203" pitchFamily="34" charset="0"/>
-                          <a:cs typeface="Segoe UI Light" panose="020B0502040204020203" pitchFamily="34" charset="0"/>
-                        </a:rPr>
-                        <a:t>jQuery</a:t>
+                        <a:t>01 | Designing</a:t>
                       </a:r>
                       <a:r>
                         <a:rPr lang="en-US" sz="2400" baseline="0" dirty="0" smtClean="0">
                           <a:latin typeface="Segoe UI Light" panose="020B0502040204020203" pitchFamily="34" charset="0"/>
                           <a:cs typeface="Segoe UI Light" panose="020B0502040204020203" pitchFamily="34" charset="0"/>
                         </a:rPr>
-                        <a:t> 101</a:t>
+                        <a:t> for Mobile</a:t>
                       </a:r>
                       <a:endParaRPr lang="en-US" sz="2400" dirty="0">
                         <a:latin typeface="Segoe UI Light" panose="020B0502040204020203" pitchFamily="34" charset="0"/>
@@ -6938,21 +6907,14 @@
                           <a:latin typeface="Segoe UI Light" panose="020B0502040204020203" pitchFamily="34" charset="0"/>
                           <a:cs typeface="Segoe UI Light" panose="020B0502040204020203" pitchFamily="34" charset="0"/>
                         </a:rPr>
-                        <a:t>05 </a:t>
+                        <a:t>05 | The Mobile</a:t>
                       </a:r>
                       <a:r>
-                        <a:rPr lang="en-US" sz="2400" dirty="0" smtClean="0">
+                        <a:rPr lang="en-US" sz="2400" baseline="0" dirty="0" smtClean="0">
                           <a:latin typeface="Segoe UI Light" panose="020B0502040204020203" pitchFamily="34" charset="0"/>
                           <a:cs typeface="Segoe UI Light" panose="020B0502040204020203" pitchFamily="34" charset="0"/>
                         </a:rPr>
-                        <a:t>| </a:t>
-                      </a:r>
-                      <a:r>
-                        <a:rPr lang="en-US" sz="2400" dirty="0" smtClean="0">
-                          <a:latin typeface="Segoe UI Light" panose="020B0502040204020203" pitchFamily="34" charset="0"/>
-                          <a:cs typeface="Segoe UI Light" panose="020B0502040204020203" pitchFamily="34" charset="0"/>
-                        </a:rPr>
-                        <a:t>Manipulating Structure</a:t>
+                        <a:t> Client</a:t>
                       </a:r>
                       <a:endParaRPr lang="en-US" sz="2400" dirty="0">
                         <a:latin typeface="Segoe UI Light" panose="020B0502040204020203" pitchFamily="34" charset="0"/>
@@ -6979,21 +6941,7 @@
                           <a:latin typeface="Segoe UI Light" panose="020B0502040204020203" pitchFamily="34" charset="0"/>
                           <a:cs typeface="Segoe UI Light" panose="020B0502040204020203" pitchFamily="34" charset="0"/>
                         </a:rPr>
-                        <a:t>02 | </a:t>
-                      </a:r>
-                      <a:r>
-                        <a:rPr lang="en-US" sz="2400" dirty="0" smtClean="0">
-                          <a:latin typeface="Segoe UI Light" panose="020B0502040204020203" pitchFamily="34" charset="0"/>
-                          <a:cs typeface="Segoe UI Light" panose="020B0502040204020203" pitchFamily="34" charset="0"/>
-                        </a:rPr>
-                        <a:t>Getting</a:t>
-                      </a:r>
-                      <a:r>
-                        <a:rPr lang="en-US" sz="2400" baseline="0" dirty="0" smtClean="0">
-                          <a:latin typeface="Segoe UI Light" panose="020B0502040204020203" pitchFamily="34" charset="0"/>
-                          <a:cs typeface="Segoe UI Light" panose="020B0502040204020203" pitchFamily="34" charset="0"/>
-                        </a:rPr>
-                        <a:t> Started with jQuery</a:t>
+                        <a:t>02 | Mobile UI</a:t>
                       </a:r>
                       <a:endParaRPr lang="en-US" sz="2400" dirty="0">
                         <a:latin typeface="Segoe UI Light" panose="020B0502040204020203" pitchFamily="34" charset="0"/>
@@ -7013,21 +6961,7 @@
                           <a:latin typeface="Segoe UI Light" panose="020B0502040204020203" pitchFamily="34" charset="0"/>
                           <a:cs typeface="Segoe UI Light" panose="020B0502040204020203" pitchFamily="34" charset="0"/>
                         </a:rPr>
-                        <a:t>06 </a:t>
-                      </a:r>
-                      <a:r>
-                        <a:rPr lang="en-US" sz="2400" dirty="0" smtClean="0">
-                          <a:latin typeface="Segoe UI Light" panose="020B0502040204020203" pitchFamily="34" charset="0"/>
-                          <a:cs typeface="Segoe UI Light" panose="020B0502040204020203" pitchFamily="34" charset="0"/>
-                        </a:rPr>
-                        <a:t>| </a:t>
-                      </a:r>
-                      <a:r>
-                        <a:rPr lang="en-US" sz="2400" dirty="0" smtClean="0">
-                          <a:latin typeface="Segoe UI Light" panose="020B0502040204020203" pitchFamily="34" charset="0"/>
-                          <a:cs typeface="Segoe UI Light" panose="020B0502040204020203" pitchFamily="34" charset="0"/>
-                        </a:rPr>
-                        <a:t>jQuery Effects</a:t>
+                        <a:t>06 | Offline Data</a:t>
                       </a:r>
                       <a:endParaRPr lang="en-US" sz="2400" dirty="0">
                         <a:latin typeface="Segoe UI Light" panose="020B0502040204020203" pitchFamily="34" charset="0"/>
@@ -7078,14 +7012,7 @@
                           <a:latin typeface="Segoe UI Light" panose="020B0502040204020203" pitchFamily="34" charset="0"/>
                           <a:cs typeface="Segoe UI Light" panose="020B0502040204020203" pitchFamily="34" charset="0"/>
                         </a:rPr>
-                        <a:t> | </a:t>
-                      </a:r>
-                      <a:r>
-                        <a:rPr lang="en-US" sz="2400" baseline="0" dirty="0" smtClean="0">
-                          <a:latin typeface="Segoe UI Light" panose="020B0502040204020203" pitchFamily="34" charset="0"/>
-                          <a:cs typeface="Segoe UI Light" panose="020B0502040204020203" pitchFamily="34" charset="0"/>
-                        </a:rPr>
-                        <a:t>Finding and Modifying Items</a:t>
+                        <a:t> | Integrating Touch</a:t>
                       </a:r>
                       <a:endParaRPr lang="en-US" sz="2400" dirty="0" smtClean="0">
                         <a:latin typeface="Segoe UI Light" panose="020B0502040204020203" pitchFamily="34" charset="0"/>
@@ -7105,7 +7032,7 @@
                           <a:latin typeface="Segoe UI Light" panose="020B0502040204020203" pitchFamily="34" charset="0"/>
                           <a:cs typeface="Segoe UI Light" panose="020B0502040204020203" pitchFamily="34" charset="0"/>
                         </a:rPr>
-                        <a:t>07 | jQuery and Ajax</a:t>
+                        <a:t>07 | Publishing to Azure</a:t>
                       </a:r>
                       <a:endParaRPr lang="en-US" sz="2400" dirty="0">
                         <a:latin typeface="Segoe UI Light" panose="020B0502040204020203" pitchFamily="34" charset="0"/>
@@ -7149,7 +7076,28 @@
                           <a:latin typeface="Segoe UI Light" panose="020B0502040204020203" pitchFamily="34" charset="0"/>
                           <a:cs typeface="Segoe UI Light" panose="020B0502040204020203" pitchFamily="34" charset="0"/>
                         </a:rPr>
-                        <a:t>04 | Adding Event Handlers</a:t>
+                        <a:t>04 | Setting </a:t>
+                      </a:r>
+                      <a:r>
+                        <a:rPr lang="en-US" sz="2400" dirty="0" smtClean="0">
+                          <a:latin typeface="Segoe UI Light" panose="020B0502040204020203" pitchFamily="34" charset="0"/>
+                          <a:cs typeface="Segoe UI Light" panose="020B0502040204020203" pitchFamily="34" charset="0"/>
+                        </a:rPr>
+                        <a:t>Up </a:t>
+                      </a:r>
+                      <a:r>
+                        <a:rPr lang="en-US" sz="2400" dirty="0" smtClean="0">
+                          <a:latin typeface="Segoe UI Light" panose="020B0502040204020203" pitchFamily="34" charset="0"/>
+                          <a:cs typeface="Segoe UI Light" panose="020B0502040204020203" pitchFamily="34" charset="0"/>
+                        </a:rPr>
+                        <a:t>the</a:t>
+                      </a:r>
+                      <a:r>
+                        <a:rPr lang="en-US" sz="2400" baseline="0" dirty="0" smtClean="0">
+                          <a:latin typeface="Segoe UI Light" panose="020B0502040204020203" pitchFamily="34" charset="0"/>
+                          <a:cs typeface="Segoe UI Light" panose="020B0502040204020203" pitchFamily="34" charset="0"/>
+                        </a:rPr>
+                        <a:t> Server</a:t>
                       </a:r>
                       <a:endParaRPr lang="en-US" sz="2400" dirty="0" smtClean="0">
                         <a:latin typeface="Segoe UI Light" panose="020B0502040204020203" pitchFamily="34" charset="0"/>
@@ -7164,13 +7112,6 @@
                     <a:bodyPr/>
                     <a:lstStyle/>
                     <a:p>
-                      <a:r>
-                        <a:rPr lang="en-US" sz="2400" dirty="0" smtClean="0">
-                          <a:latin typeface="Segoe UI Light" panose="020B0502040204020203" pitchFamily="34" charset="0"/>
-                          <a:cs typeface="Segoe UI Light" panose="020B0502040204020203" pitchFamily="34" charset="0"/>
-                        </a:rPr>
-                        <a:t>08 | Popular Libraries</a:t>
-                      </a:r>
                       <a:endParaRPr lang="en-US" sz="2400" dirty="0">
                         <a:latin typeface="Segoe UI Light" panose="020B0502040204020203" pitchFamily="34" charset="0"/>
                         <a:cs typeface="Segoe UI Light" panose="020B0502040204020203" pitchFamily="34" charset="0"/>
@@ -7187,18 +7128,18 @@
     </p:spTree>
     <p:extLst>
       <p:ext uri="{BB962C8B-B14F-4D97-AF65-F5344CB8AC3E}">
-        <p14:creationId xmlns:p14="http://schemas.microsoft.com/office/powerpoint/2010/main" val="4178564752"/>
+        <p14:creationId xmlns:p14="http://schemas.microsoft.com/office/powerpoint/2010/main" val="3645121876"/>
       </p:ext>
     </p:extLst>
   </p:cSld>
   <p:clrMapOvr>
     <a:masterClrMapping/>
   </p:clrMapOvr>
-  <mc:AlternateContent xmlns:mc="http://schemas.openxmlformats.org/markup-compatibility/2006" xmlns:p14="http://schemas.microsoft.com/office/powerpoint/2010/main">
-    <mc:Choice Requires="p14">
+  <mc:AlternateContent xmlns:mc="http://schemas.openxmlformats.org/markup-compatibility/2006">
+    <mc:Choice xmlns:p14="http://schemas.microsoft.com/office/powerpoint/2010/main" Requires="p14">
       <p:transition spd="slow" p14:dur="2000"/>
     </mc:Choice>
-    <mc:Fallback xmlns="">
+    <mc:Fallback>
       <p:transition spd="slow"/>
     </mc:Fallback>
   </mc:AlternateContent>
@@ -7254,15 +7195,11 @@
             <a:pPr marL="914400" indent="-914400"/>
             <a:r>
               <a:rPr lang="en-US" dirty="0" smtClean="0"/>
-              <a:t>05 </a:t>
+              <a:t>05 | </a:t>
             </a:r>
             <a:r>
               <a:rPr lang="en-US" dirty="0" smtClean="0"/>
-              <a:t>| </a:t>
-            </a:r>
-            <a:r>
-              <a:rPr lang="en-US" smtClean="0"/>
-              <a:t>Manipulating Structure</a:t>
+              <a:t>The Mobile Client</a:t>
             </a:r>
             <a:endParaRPr lang="en-US" dirty="0"/>
           </a:p>
@@ -7285,26 +7222,33 @@
           <a:p>
             <a:r>
               <a:rPr lang="en-US" dirty="0"/>
-              <a:t>Rachel Appel | @</a:t>
-            </a:r>
-            <a:r>
-              <a:rPr lang="en-US" dirty="0" err="1"/>
-              <a:t>RachelAppel</a:t>
-            </a:r>
-            <a:endParaRPr lang="en-US" dirty="0"/>
-          </a:p>
-          <a:p>
-            <a:r>
-              <a:rPr lang="en-US" dirty="0" smtClean="0"/>
-              <a:t>Jeremy </a:t>
-            </a:r>
-            <a:r>
-              <a:rPr lang="en-US" dirty="0"/>
-              <a:t>Foster | @</a:t>
+              <a:t>Jeremy Foster | @</a:t>
             </a:r>
             <a:r>
               <a:rPr lang="en-US" dirty="0" smtClean="0"/>
               <a:t>codefoster</a:t>
+            </a:r>
+          </a:p>
+          <a:p>
+            <a:r>
+              <a:rPr lang="en-US" dirty="0" smtClean="0"/>
+              <a:t>Christopher </a:t>
+            </a:r>
+            <a:r>
+              <a:rPr lang="en-US" dirty="0" smtClean="0"/>
+              <a:t>Harrison </a:t>
+            </a:r>
+            <a:r>
+              <a:rPr lang="en-US" dirty="0"/>
+              <a:t>| </a:t>
+            </a:r>
+            <a:r>
+              <a:rPr lang="en-US" dirty="0" smtClean="0"/>
+              <a:t>@</a:t>
+            </a:r>
+            <a:r>
+              <a:rPr lang="en-US" dirty="0" err="1" smtClean="0"/>
+              <a:t>GeekTrainer</a:t>
             </a:r>
             <a:endParaRPr lang="en-US" dirty="0"/>
           </a:p>
@@ -8916,15 +8860,6 @@
 </file>
 
 <file path=customXml/item1.xml><?xml version="1.0" encoding="utf-8"?>
-<?mso-contentType ?>
-<FormTemplates xmlns="http://schemas.microsoft.com/sharepoint/v3/contenttype/forms">
-  <Display>DocumentLibraryForm</Display>
-  <Edit>DocumentLibraryForm</Edit>
-  <New>DocumentLibraryForm</New>
-</FormTemplates>
-</file>
-
-<file path=customXml/item2.xml><?xml version="1.0" encoding="utf-8"?>
 <ct:contentTypeSchema xmlns:ct="http://schemas.microsoft.com/office/2006/metadata/contentType" xmlns:ma="http://schemas.microsoft.com/office/2006/metadata/properties/metaAttributes" ct:_="" ma:_="" ma:contentTypeName="Document" ma:contentTypeID="0x010100CF3CFFA86DA93345A891C3CCBC738F63" ma:contentTypeVersion="1" ma:contentTypeDescription="Create a new document." ma:contentTypeScope="" ma:versionID="060e45d69093970729cdde03e78aa3cc">
   <xsd:schema xmlns:xsd="http://www.w3.org/2001/XMLSchema" xmlns:xs="http://www.w3.org/2001/XMLSchema" xmlns:p="http://schemas.microsoft.com/office/2006/metadata/properties" xmlns:ns3="ecd1fa32-ae44-48d6-80a1-71a52da60b4a" targetNamespace="http://schemas.microsoft.com/office/2006/metadata/properties" ma:root="true" ma:fieldsID="2fc9741b54117334ed0e10932dac3600" ns3:_="">
     <xsd:import namespace="ecd1fa32-ae44-48d6-80a1-71a52da60b4a"/>
@@ -9064,21 +8999,22 @@
 </ct:contentTypeSchema>
 </file>
 
-<file path=customXml/item3.xml><?xml version="1.0" encoding="utf-8"?>
+<file path=customXml/item2.xml><?xml version="1.0" encoding="utf-8"?>
 <p:properties xmlns:p="http://schemas.microsoft.com/office/2006/metadata/properties" xmlns:xsi="http://www.w3.org/2001/XMLSchema-instance" xmlns:pc="http://schemas.microsoft.com/office/infopath/2007/PartnerControls">
   <documentManagement/>
 </p:properties>
 </file>
 
-<file path=customXml/itemProps1.xml><?xml version="1.0" encoding="utf-8"?>
-<ds:datastoreItem xmlns:ds="http://schemas.openxmlformats.org/officeDocument/2006/customXml" ds:itemID="{B0CA13EC-1D3C-4D6F-8D1C-E8A452CFC79A}">
-  <ds:schemaRefs>
-    <ds:schemaRef ds:uri="http://schemas.microsoft.com/sharepoint/v3/contenttype/forms"/>
-  </ds:schemaRefs>
-</ds:datastoreItem>
+<file path=customXml/item3.xml><?xml version="1.0" encoding="utf-8"?>
+<?mso-contentType ?>
+<FormTemplates xmlns="http://schemas.microsoft.com/sharepoint/v3/contenttype/forms">
+  <Display>DocumentLibraryForm</Display>
+  <Edit>DocumentLibraryForm</Edit>
+  <New>DocumentLibraryForm</New>
+</FormTemplates>
 </file>
 
-<file path=customXml/itemProps2.xml><?xml version="1.0" encoding="utf-8"?>
+<file path=customXml/itemProps1.xml><?xml version="1.0" encoding="utf-8"?>
 <ds:datastoreItem xmlns:ds="http://schemas.openxmlformats.org/officeDocument/2006/customXml" ds:itemID="{A545FFDC-6555-4FAD-8A13-72F96FEB882E}">
   <ds:schemaRefs>
     <ds:schemaRef ds:uri="http://schemas.microsoft.com/office/2006/metadata/contentType"/>
@@ -9096,18 +9032,26 @@
 </ds:datastoreItem>
 </file>
 
-<file path=customXml/itemProps3.xml><?xml version="1.0" encoding="utf-8"?>
+<file path=customXml/itemProps2.xml><?xml version="1.0" encoding="utf-8"?>
 <ds:datastoreItem xmlns:ds="http://schemas.openxmlformats.org/officeDocument/2006/customXml" ds:itemID="{7025FDD9-4C58-4084-9F89-0E6ADD6FFF55}">
   <ds:schemaRefs>
-    <ds:schemaRef ds:uri="http://purl.org/dc/dcmitype/"/>
+    <ds:schemaRef ds:uri="http://purl.org/dc/terms/"/>
+    <ds:schemaRef ds:uri="http://schemas.openxmlformats.org/package/2006/metadata/core-properties"/>
+    <ds:schemaRef ds:uri="http://schemas.microsoft.com/office/2006/documentManagement/types"/>
     <ds:schemaRef ds:uri="http://schemas.microsoft.com/office/infopath/2007/PartnerControls"/>
     <ds:schemaRef ds:uri="ecd1fa32-ae44-48d6-80a1-71a52da60b4a"/>
     <ds:schemaRef ds:uri="http://purl.org/dc/elements/1.1/"/>
     <ds:schemaRef ds:uri="http://schemas.microsoft.com/office/2006/metadata/properties"/>
-    <ds:schemaRef ds:uri="http://schemas.microsoft.com/office/2006/documentManagement/types"/>
-    <ds:schemaRef ds:uri="http://purl.org/dc/terms/"/>
-    <ds:schemaRef ds:uri="http://schemas.openxmlformats.org/package/2006/metadata/core-properties"/>
     <ds:schemaRef ds:uri="http://www.w3.org/XML/1998/namespace"/>
+    <ds:schemaRef ds:uri="http://purl.org/dc/dcmitype/"/>
+  </ds:schemaRefs>
+</ds:datastoreItem>
+</file>
+
+<file path=customXml/itemProps3.xml><?xml version="1.0" encoding="utf-8"?>
+<ds:datastoreItem xmlns:ds="http://schemas.openxmlformats.org/officeDocument/2006/customXml" ds:itemID="{B0CA13EC-1D3C-4D6F-8D1C-E8A452CFC79A}">
+  <ds:schemaRefs>
+    <ds:schemaRef ds:uri="http://schemas.microsoft.com/sharepoint/v3/contenttype/forms"/>
   </ds:schemaRefs>
 </ds:datastoreItem>
 </file>
--- a/Slides/M5 Client.pptx
+++ b/Slides/M5 Client.pptx
@@ -6,10 +6,10 @@
     <p:sldMasterId id="2147483674" r:id="rId5"/>
   </p:sldMasterIdLst>
   <p:notesMasterIdLst>
-    <p:notesMasterId r:id="rId16"/>
+    <p:notesMasterId r:id="rId14"/>
   </p:notesMasterIdLst>
   <p:handoutMasterIdLst>
-    <p:handoutMasterId r:id="rId17"/>
+    <p:handoutMasterId r:id="rId15"/>
   </p:handoutMasterIdLst>
   <p:sldIdLst>
     <p:sldId id="271" r:id="rId6"/>
@@ -17,11 +17,9 @@
     <p:sldId id="283" r:id="rId8"/>
     <p:sldId id="288" r:id="rId9"/>
     <p:sldId id="414" r:id="rId10"/>
-    <p:sldId id="447" r:id="rId11"/>
-    <p:sldId id="416" r:id="rId12"/>
-    <p:sldId id="454" r:id="rId13"/>
-    <p:sldId id="458" r:id="rId14"/>
-    <p:sldId id="269" r:id="rId15"/>
+    <p:sldId id="454" r:id="rId11"/>
+    <p:sldId id="458" r:id="rId12"/>
+    <p:sldId id="269" r:id="rId13"/>
   </p:sldIdLst>
   <p:sldSz cx="12192000" cy="6858000"/>
   <p:notesSz cx="6858000" cy="9144000"/>
@@ -134,8 +132,6 @@
             <p14:sldId id="283"/>
             <p14:sldId id="288"/>
             <p14:sldId id="414"/>
-            <p14:sldId id="447"/>
-            <p14:sldId id="416"/>
             <p14:sldId id="454"/>
             <p14:sldId id="458"/>
           </p14:sldIdLst>
@@ -1106,7 +1102,7 @@
             <a:fld id="{13F0F35F-DD44-4607-AEC1-49D7A4BC4066}" type="slidenum">
               <a:rPr lang="en-US" smtClean="0"/>
               <a:pPr/>
-              <a:t>8</a:t>
+              <a:t>6</a:t>
             </a:fld>
             <a:endParaRPr lang="en-US" dirty="0"/>
           </a:p>
@@ -1198,7 +1194,7 @@
             <a:fld id="{13F0F35F-DD44-4607-AEC1-49D7A4BC4066}" type="slidenum">
               <a:rPr lang="en-US" smtClean="0"/>
               <a:pPr/>
-              <a:t>9</a:t>
+              <a:t>7</a:t>
             </a:fld>
             <a:endParaRPr lang="en-US" dirty="0"/>
           </a:p>
@@ -6722,36 +6718,6 @@
 </p:sld>
 </file>
 
-<file path=ppt/slides/slide10.xml><?xml version="1.0" encoding="utf-8"?>
-<p:sld xmlns:a="http://schemas.openxmlformats.org/drawingml/2006/main" xmlns:r="http://schemas.openxmlformats.org/officeDocument/2006/relationships" xmlns:p="http://schemas.openxmlformats.org/presentationml/2006/main">
-  <p:cSld>
-    <p:spTree>
-      <p:nvGrpSpPr>
-        <p:cNvPr id="1" name=""/>
-        <p:cNvGrpSpPr/>
-        <p:nvPr/>
-      </p:nvGrpSpPr>
-      <p:grpSpPr>
-        <a:xfrm>
-          <a:off x="0" y="0"/>
-          <a:ext cx="0" cy="0"/>
-          <a:chOff x="0" y="0"/>
-          <a:chExt cx="0" cy="0"/>
-        </a:xfrm>
-      </p:grpSpPr>
-    </p:spTree>
-    <p:extLst>
-      <p:ext uri="{BB962C8B-B14F-4D97-AF65-F5344CB8AC3E}">
-        <p14:creationId xmlns:p14="http://schemas.microsoft.com/office/powerpoint/2010/main" val="898363405"/>
-      </p:ext>
-    </p:extLst>
-  </p:cSld>
-  <p:clrMapOvr>
-    <a:masterClrMapping/>
-  </p:clrMapOvr>
-</p:sld>
-</file>
-
 <file path=ppt/slides/slide2.xml><?xml version="1.0" encoding="utf-8"?>
 <p:sld xmlns:a="http://schemas.openxmlformats.org/drawingml/2006/main" xmlns:r="http://schemas.openxmlformats.org/officeDocument/2006/relationships" xmlns:p="http://schemas.openxmlformats.org/presentationml/2006/main">
   <p:cSld>
@@ -6820,14 +6786,14 @@
                 <a:gridCol w="5762625">
                   <a:extLst>
                     <a:ext uri="{9D8B030D-6E8A-4147-A177-3AD203B41FA5}">
-                      <a16:colId xmlns="" xmlns:a16="http://schemas.microsoft.com/office/drawing/2014/main" val="1632794655"/>
+                      <a16:colId xmlns:a16="http://schemas.microsoft.com/office/drawing/2014/main" xmlns="" val="1632794655"/>
                     </a:ext>
                   </a:extLst>
                 </a:gridCol>
                 <a:gridCol w="5762625">
                   <a:extLst>
                     <a:ext uri="{9D8B030D-6E8A-4147-A177-3AD203B41FA5}">
-                      <a16:colId xmlns="" xmlns:a16="http://schemas.microsoft.com/office/drawing/2014/main" val="2011313899"/>
+                      <a16:colId xmlns:a16="http://schemas.microsoft.com/office/drawing/2014/main" xmlns="" val="2011313899"/>
                     </a:ext>
                   </a:extLst>
                 </a:gridCol>
@@ -6865,7 +6831,7 @@
                 </a:tc>
                 <a:extLst>
                   <a:ext uri="{0D108BD9-81ED-4DB2-BD59-A6C34878D82A}">
-                    <a16:rowId xmlns="" xmlns:a16="http://schemas.microsoft.com/office/drawing/2014/main" val="1789177411"/>
+                    <a16:rowId xmlns:a16="http://schemas.microsoft.com/office/drawing/2014/main" xmlns="" val="1789177411"/>
                   </a:ext>
                 </a:extLst>
               </a:tr>
@@ -6926,7 +6892,7 @@
                 </a:tc>
                 <a:extLst>
                   <a:ext uri="{0D108BD9-81ED-4DB2-BD59-A6C34878D82A}">
-                    <a16:rowId xmlns="" xmlns:a16="http://schemas.microsoft.com/office/drawing/2014/main" val="3842815335"/>
+                    <a16:rowId xmlns:a16="http://schemas.microsoft.com/office/drawing/2014/main" xmlns="" val="3842815335"/>
                   </a:ext>
                 </a:extLst>
               </a:tr>
@@ -6973,7 +6939,7 @@
                 </a:tc>
                 <a:extLst>
                   <a:ext uri="{0D108BD9-81ED-4DB2-BD59-A6C34878D82A}">
-                    <a16:rowId xmlns="" xmlns:a16="http://schemas.microsoft.com/office/drawing/2014/main" val="321066646"/>
+                    <a16:rowId xmlns:a16="http://schemas.microsoft.com/office/drawing/2014/main" xmlns="" val="321066646"/>
                   </a:ext>
                 </a:extLst>
               </a:tr>
@@ -7044,7 +7010,7 @@
                 </a:tc>
                 <a:extLst>
                   <a:ext uri="{0D108BD9-81ED-4DB2-BD59-A6C34878D82A}">
-                    <a16:rowId xmlns="" xmlns:a16="http://schemas.microsoft.com/office/drawing/2014/main" val="3812060533"/>
+                    <a16:rowId xmlns:a16="http://schemas.microsoft.com/office/drawing/2014/main" xmlns="" val="3812060533"/>
                   </a:ext>
                 </a:extLst>
               </a:tr>
@@ -7076,21 +7042,7 @@
                           <a:latin typeface="Segoe UI Light" panose="020B0502040204020203" pitchFamily="34" charset="0"/>
                           <a:cs typeface="Segoe UI Light" panose="020B0502040204020203" pitchFamily="34" charset="0"/>
                         </a:rPr>
-                        <a:t>04 | Setting </a:t>
-                      </a:r>
-                      <a:r>
-                        <a:rPr lang="en-US" sz="2400" dirty="0" smtClean="0">
-                          <a:latin typeface="Segoe UI Light" panose="020B0502040204020203" pitchFamily="34" charset="0"/>
-                          <a:cs typeface="Segoe UI Light" panose="020B0502040204020203" pitchFamily="34" charset="0"/>
-                        </a:rPr>
-                        <a:t>Up </a:t>
-                      </a:r>
-                      <a:r>
-                        <a:rPr lang="en-US" sz="2400" dirty="0" smtClean="0">
-                          <a:latin typeface="Segoe UI Light" panose="020B0502040204020203" pitchFamily="34" charset="0"/>
-                          <a:cs typeface="Segoe UI Light" panose="020B0502040204020203" pitchFamily="34" charset="0"/>
-                        </a:rPr>
-                        <a:t>the</a:t>
+                        <a:t>04 | Setting Up the</a:t>
                       </a:r>
                       <a:r>
                         <a:rPr lang="en-US" sz="2400" baseline="0" dirty="0" smtClean="0">
@@ -7135,11 +7087,11 @@
   <p:clrMapOvr>
     <a:masterClrMapping/>
   </p:clrMapOvr>
-  <mc:AlternateContent xmlns:mc="http://schemas.openxmlformats.org/markup-compatibility/2006">
-    <mc:Choice xmlns:p14="http://schemas.microsoft.com/office/powerpoint/2010/main" Requires="p14">
+  <mc:AlternateContent xmlns:mc="http://schemas.openxmlformats.org/markup-compatibility/2006" xmlns:p14="http://schemas.microsoft.com/office/powerpoint/2010/main">
+    <mc:Choice Requires="p14">
       <p:transition spd="slow" p14:dur="2000"/>
     </mc:Choice>
-    <mc:Fallback>
+    <mc:Fallback xmlns="">
       <p:transition spd="slow"/>
     </mc:Fallback>
   </mc:AlternateContent>
@@ -7195,11 +7147,7 @@
             <a:pPr marL="914400" indent="-914400"/>
             <a:r>
               <a:rPr lang="en-US" dirty="0" smtClean="0"/>
-              <a:t>05 | </a:t>
-            </a:r>
-            <a:r>
-              <a:rPr lang="en-US" dirty="0" smtClean="0"/>
-              <a:t>The Mobile Client</a:t>
+              <a:t>05 | The Mobile Client</a:t>
             </a:r>
             <a:endParaRPr lang="en-US" dirty="0"/>
           </a:p>
@@ -7232,11 +7180,7 @@
           <a:p>
             <a:r>
               <a:rPr lang="en-US" dirty="0" smtClean="0"/>
-              <a:t>Christopher </a:t>
-            </a:r>
-            <a:r>
-              <a:rPr lang="en-US" dirty="0" smtClean="0"/>
-              <a:t>Harrison </a:t>
+              <a:t>Christopher Harrison </a:t>
             </a:r>
             <a:r>
               <a:rPr lang="en-US" dirty="0"/>
@@ -7308,24 +7252,6 @@
           </a:bodyPr>
           <a:lstStyle/>
           <a:p>
-            <a:r>
-              <a:rPr lang="en-GB" dirty="0" smtClean="0"/>
-              <a:t>Section 1</a:t>
-            </a:r>
-            <a:endParaRPr lang="en-GB" dirty="0"/>
-          </a:p>
-          <a:p>
-            <a:r>
-              <a:rPr lang="en-GB" dirty="0" smtClean="0"/>
-              <a:t>Section 2</a:t>
-            </a:r>
-            <a:endParaRPr lang="en-GB" dirty="0"/>
-          </a:p>
-          <a:p>
-            <a:r>
-              <a:rPr lang="en-GB" dirty="0" smtClean="0"/>
-              <a:t>Section 3</a:t>
-            </a:r>
             <a:endParaRPr lang="en-GB" dirty="0"/>
           </a:p>
         </p:txBody>
@@ -7464,12 +7390,33 @@
       </p:grpSpPr>
       <p:sp>
         <p:nvSpPr>
-          <p:cNvPr id="2" name="Text Placeholder 1"/>
+          <p:cNvPr id="7" name="Content Placeholder 6"/>
           <p:cNvSpPr>
             <a:spLocks noGrp="1"/>
           </p:cNvSpPr>
           <p:nvPr>
-            <p:ph type="body" sz="quarter" idx="10"/>
+            <p:ph sz="quarter" idx="10"/>
+          </p:nvPr>
+        </p:nvSpPr>
+        <p:spPr/>
+        <p:txBody>
+          <a:bodyPr>
+            <a:normAutofit/>
+          </a:bodyPr>
+          <a:lstStyle/>
+          <a:p>
+            <a:endParaRPr lang="en-GB" dirty="0"/>
+          </a:p>
+        </p:txBody>
+      </p:sp>
+      <p:sp>
+        <p:nvSpPr>
+          <p:cNvPr id="2" name="Title 1"/>
+          <p:cNvSpPr>
+            <a:spLocks noGrp="1"/>
+          </p:cNvSpPr>
+          <p:nvPr>
+            <p:ph type="title"/>
           </p:nvPr>
         </p:nvSpPr>
         <p:spPr/>
@@ -7479,41 +7426,29 @@
           <a:p>
             <a:r>
               <a:rPr lang="en-US" dirty="0" smtClean="0"/>
-              <a:t>Section 2</a:t>
+              <a:t>Resources</a:t>
             </a:r>
             <a:endParaRPr lang="en-US" dirty="0"/>
-          </a:p>
-        </p:txBody>
-      </p:sp>
-      <p:sp>
-        <p:nvSpPr>
-          <p:cNvPr id="3" name="Subtitle 2"/>
-          <p:cNvSpPr>
-            <a:spLocks noGrp="1"/>
-          </p:cNvSpPr>
-          <p:nvPr>
-            <p:ph type="subTitle" idx="1"/>
-          </p:nvPr>
-        </p:nvSpPr>
-        <p:spPr/>
-        <p:txBody>
-          <a:bodyPr/>
-          <a:lstStyle/>
-          <a:p>
-            <a:endParaRPr lang="en-US"/>
           </a:p>
         </p:txBody>
       </p:sp>
     </p:spTree>
     <p:extLst>
       <p:ext uri="{BB962C8B-B14F-4D97-AF65-F5344CB8AC3E}">
-        <p14:creationId xmlns:p14="http://schemas.microsoft.com/office/powerpoint/2010/main" val="4190290233"/>
+        <p14:creationId xmlns:p14="http://schemas.microsoft.com/office/powerpoint/2010/main" val="2567384094"/>
       </p:ext>
     </p:extLst>
   </p:cSld>
   <p:clrMapOvr>
     <a:masterClrMapping/>
   </p:clrMapOvr>
+  <p:timing>
+    <p:tnLst>
+      <p:par>
+        <p:cTn id="1" dur="indefinite" restart="never" nodeType="tmRoot"/>
+      </p:par>
+    </p:tnLst>
+  </p:timing>
 </p:sld>
 </file>
 
@@ -7536,12 +7471,33 @@
       </p:grpSpPr>
       <p:sp>
         <p:nvSpPr>
-          <p:cNvPr id="2" name="Text Placeholder 1"/>
+          <p:cNvPr id="7" name="Content Placeholder 6"/>
           <p:cNvSpPr>
             <a:spLocks noGrp="1"/>
           </p:cNvSpPr>
           <p:nvPr>
-            <p:ph type="body" sz="quarter" idx="10"/>
+            <p:ph sz="quarter" idx="10"/>
+          </p:nvPr>
+        </p:nvSpPr>
+        <p:spPr/>
+        <p:txBody>
+          <a:bodyPr>
+            <a:normAutofit/>
+          </a:bodyPr>
+          <a:lstStyle/>
+          <a:p>
+            <a:endParaRPr lang="en-GB" dirty="0"/>
+          </a:p>
+        </p:txBody>
+      </p:sp>
+      <p:sp>
+        <p:nvSpPr>
+          <p:cNvPr id="2" name="Title 1"/>
+          <p:cNvSpPr>
+            <a:spLocks noGrp="1"/>
+          </p:cNvSpPr>
+          <p:nvPr>
+            <p:ph type="title"/>
           </p:nvPr>
         </p:nvSpPr>
         <p:spPr/>
@@ -7551,41 +7507,29 @@
           <a:p>
             <a:r>
               <a:rPr lang="en-US" dirty="0" smtClean="0"/>
-              <a:t>Section 3</a:t>
+              <a:t>Summary</a:t>
             </a:r>
             <a:endParaRPr lang="en-US" dirty="0"/>
-          </a:p>
-        </p:txBody>
-      </p:sp>
-      <p:sp>
-        <p:nvSpPr>
-          <p:cNvPr id="3" name="Subtitle 2"/>
-          <p:cNvSpPr>
-            <a:spLocks noGrp="1"/>
-          </p:cNvSpPr>
-          <p:nvPr>
-            <p:ph type="subTitle" idx="1"/>
-          </p:nvPr>
-        </p:nvSpPr>
-        <p:spPr/>
-        <p:txBody>
-          <a:bodyPr/>
-          <a:lstStyle/>
-          <a:p>
-            <a:endParaRPr lang="en-US"/>
           </a:p>
         </p:txBody>
       </p:sp>
     </p:spTree>
     <p:extLst>
       <p:ext uri="{BB962C8B-B14F-4D97-AF65-F5344CB8AC3E}">
-        <p14:creationId xmlns:p14="http://schemas.microsoft.com/office/powerpoint/2010/main" val="4243374243"/>
+        <p14:creationId xmlns:p14="http://schemas.microsoft.com/office/powerpoint/2010/main" val="393125443"/>
       </p:ext>
     </p:extLst>
   </p:cSld>
   <p:clrMapOvr>
     <a:masterClrMapping/>
   </p:clrMapOvr>
+  <p:timing>
+    <p:tnLst>
+      <p:par>
+        <p:cTn id="1" dur="indefinite" restart="never" nodeType="tmRoot"/>
+      </p:par>
+    </p:tnLst>
+  </p:timing>
 </p:sld>
 </file>
 
@@ -7606,164 +7550,16 @@
           <a:chExt cx="0" cy="0"/>
         </a:xfrm>
       </p:grpSpPr>
-      <p:sp>
-        <p:nvSpPr>
-          <p:cNvPr id="7" name="Content Placeholder 6"/>
-          <p:cNvSpPr>
-            <a:spLocks noGrp="1"/>
-          </p:cNvSpPr>
-          <p:nvPr>
-            <p:ph sz="quarter" idx="10"/>
-          </p:nvPr>
-        </p:nvSpPr>
-        <p:spPr/>
-        <p:txBody>
-          <a:bodyPr>
-            <a:normAutofit/>
-          </a:bodyPr>
-          <a:lstStyle/>
-          <a:p>
-            <a:endParaRPr lang="en-GB" dirty="0"/>
-          </a:p>
-        </p:txBody>
-      </p:sp>
-      <p:sp>
-        <p:nvSpPr>
-          <p:cNvPr id="2" name="Title 1"/>
-          <p:cNvSpPr>
-            <a:spLocks noGrp="1"/>
-          </p:cNvSpPr>
-          <p:nvPr>
-            <p:ph type="title"/>
-          </p:nvPr>
-        </p:nvSpPr>
-        <p:spPr/>
-        <p:txBody>
-          <a:bodyPr/>
-          <a:lstStyle/>
-          <a:p>
-            <a:r>
-              <a:rPr lang="en-US" dirty="0" smtClean="0"/>
-              <a:t>Resources</a:t>
-            </a:r>
-            <a:endParaRPr lang="en-US" dirty="0"/>
-          </a:p>
-        </p:txBody>
-      </p:sp>
     </p:spTree>
     <p:extLst>
       <p:ext uri="{BB962C8B-B14F-4D97-AF65-F5344CB8AC3E}">
-        <p14:creationId xmlns:p14="http://schemas.microsoft.com/office/powerpoint/2010/main" val="2567384094"/>
+        <p14:creationId xmlns:p14="http://schemas.microsoft.com/office/powerpoint/2010/main" val="898363405"/>
       </p:ext>
     </p:extLst>
   </p:cSld>
   <p:clrMapOvr>
     <a:masterClrMapping/>
   </p:clrMapOvr>
-  <p:timing>
-    <p:tnLst>
-      <p:par>
-        <p:cTn id="1" dur="indefinite" restart="never" nodeType="tmRoot"/>
-      </p:par>
-    </p:tnLst>
-  </p:timing>
-</p:sld>
-</file>
-
-<file path=ppt/slides/slide9.xml><?xml version="1.0" encoding="utf-8"?>
-<p:sld xmlns:a="http://schemas.openxmlformats.org/drawingml/2006/main" xmlns:r="http://schemas.openxmlformats.org/officeDocument/2006/relationships" xmlns:p="http://schemas.openxmlformats.org/presentationml/2006/main">
-  <p:cSld>
-    <p:spTree>
-      <p:nvGrpSpPr>
-        <p:cNvPr id="1" name=""/>
-        <p:cNvGrpSpPr/>
-        <p:nvPr/>
-      </p:nvGrpSpPr>
-      <p:grpSpPr>
-        <a:xfrm>
-          <a:off x="0" y="0"/>
-          <a:ext cx="0" cy="0"/>
-          <a:chOff x="0" y="0"/>
-          <a:chExt cx="0" cy="0"/>
-        </a:xfrm>
-      </p:grpSpPr>
-      <p:sp>
-        <p:nvSpPr>
-          <p:cNvPr id="7" name="Content Placeholder 6"/>
-          <p:cNvSpPr>
-            <a:spLocks noGrp="1"/>
-          </p:cNvSpPr>
-          <p:nvPr>
-            <p:ph sz="quarter" idx="10"/>
-          </p:nvPr>
-        </p:nvSpPr>
-        <p:spPr/>
-        <p:txBody>
-          <a:bodyPr>
-            <a:normAutofit/>
-          </a:bodyPr>
-          <a:lstStyle/>
-          <a:p>
-            <a:r>
-              <a:rPr lang="en-GB" dirty="0" smtClean="0"/>
-              <a:t>Section 1</a:t>
-            </a:r>
-          </a:p>
-          <a:p>
-            <a:r>
-              <a:rPr lang="en-GB" dirty="0" smtClean="0"/>
-              <a:t>Section 2</a:t>
-            </a:r>
-          </a:p>
-          <a:p>
-            <a:r>
-              <a:rPr lang="en-GB" dirty="0" smtClean="0"/>
-              <a:t>Section 3</a:t>
-            </a:r>
-            <a:endParaRPr lang="en-GB" dirty="0"/>
-          </a:p>
-        </p:txBody>
-      </p:sp>
-      <p:sp>
-        <p:nvSpPr>
-          <p:cNvPr id="2" name="Title 1"/>
-          <p:cNvSpPr>
-            <a:spLocks noGrp="1"/>
-          </p:cNvSpPr>
-          <p:nvPr>
-            <p:ph type="title"/>
-          </p:nvPr>
-        </p:nvSpPr>
-        <p:spPr/>
-        <p:txBody>
-          <a:bodyPr/>
-          <a:lstStyle/>
-          <a:p>
-            <a:r>
-              <a:rPr lang="en-US" dirty="0" smtClean="0"/>
-              <a:t>Summary</a:t>
-            </a:r>
-            <a:endParaRPr lang="en-US" dirty="0"/>
-          </a:p>
-        </p:txBody>
-      </p:sp>
-    </p:spTree>
-    <p:extLst>
-      <p:ext uri="{BB962C8B-B14F-4D97-AF65-F5344CB8AC3E}">
-        <p14:creationId xmlns:p14="http://schemas.microsoft.com/office/powerpoint/2010/main" val="393125443"/>
-      </p:ext>
-    </p:extLst>
-  </p:cSld>
-  <p:clrMapOvr>
-    <a:masterClrMapping/>
-  </p:clrMapOvr>
-  <p:timing>
-    <p:tnLst>
-      <p:par>
-        <p:cTn id="1" dur="indefinite" restart="never" nodeType="tmRoot"/>
-      </p:par>
-    </p:tnLst>
-  </p:timing>
 </p:sld>
 </file>
 
@@ -8860,6 +8656,21 @@
 </file>
 
 <file path=customXml/item1.xml><?xml version="1.0" encoding="utf-8"?>
+<?mso-contentType ?>
+<FormTemplates xmlns="http://schemas.microsoft.com/sharepoint/v3/contenttype/forms">
+  <Display>DocumentLibraryForm</Display>
+  <Edit>DocumentLibraryForm</Edit>
+  <New>DocumentLibraryForm</New>
+</FormTemplates>
+</file>
+
+<file path=customXml/item2.xml><?xml version="1.0" encoding="utf-8"?>
+<p:properties xmlns:p="http://schemas.microsoft.com/office/2006/metadata/properties" xmlns:xsi="http://www.w3.org/2001/XMLSchema-instance" xmlns:pc="http://schemas.microsoft.com/office/infopath/2007/PartnerControls">
+  <documentManagement/>
+</p:properties>
+</file>
+
+<file path=customXml/item3.xml><?xml version="1.0" encoding="utf-8"?>
 <ct:contentTypeSchema xmlns:ct="http://schemas.microsoft.com/office/2006/metadata/contentType" xmlns:ma="http://schemas.microsoft.com/office/2006/metadata/properties/metaAttributes" ct:_="" ma:_="" ma:contentTypeName="Document" ma:contentTypeID="0x010100CF3CFFA86DA93345A891C3CCBC738F63" ma:contentTypeVersion="1" ma:contentTypeDescription="Create a new document." ma:contentTypeScope="" ma:versionID="060e45d69093970729cdde03e78aa3cc">
   <xsd:schema xmlns:xsd="http://www.w3.org/2001/XMLSchema" xmlns:xs="http://www.w3.org/2001/XMLSchema" xmlns:p="http://schemas.microsoft.com/office/2006/metadata/properties" xmlns:ns3="ecd1fa32-ae44-48d6-80a1-71a52da60b4a" targetNamespace="http://schemas.microsoft.com/office/2006/metadata/properties" ma:root="true" ma:fieldsID="2fc9741b54117334ed0e10932dac3600" ns3:_="">
     <xsd:import namespace="ecd1fa32-ae44-48d6-80a1-71a52da60b4a"/>
@@ -8999,35 +8810,10 @@
 </ct:contentTypeSchema>
 </file>
 
-<file path=customXml/item2.xml><?xml version="1.0" encoding="utf-8"?>
-<p:properties xmlns:p="http://schemas.microsoft.com/office/2006/metadata/properties" xmlns:xsi="http://www.w3.org/2001/XMLSchema-instance" xmlns:pc="http://schemas.microsoft.com/office/infopath/2007/PartnerControls">
-  <documentManagement/>
-</p:properties>
-</file>
-
-<file path=customXml/item3.xml><?xml version="1.0" encoding="utf-8"?>
-<?mso-contentType ?>
-<FormTemplates xmlns="http://schemas.microsoft.com/sharepoint/v3/contenttype/forms">
-  <Display>DocumentLibraryForm</Display>
-  <Edit>DocumentLibraryForm</Edit>
-  <New>DocumentLibraryForm</New>
-</FormTemplates>
-</file>
-
 <file path=customXml/itemProps1.xml><?xml version="1.0" encoding="utf-8"?>
-<ds:datastoreItem xmlns:ds="http://schemas.openxmlformats.org/officeDocument/2006/customXml" ds:itemID="{A545FFDC-6555-4FAD-8A13-72F96FEB882E}">
+<ds:datastoreItem xmlns:ds="http://schemas.openxmlformats.org/officeDocument/2006/customXml" ds:itemID="{B0CA13EC-1D3C-4D6F-8D1C-E8A452CFC79A}">
   <ds:schemaRefs>
-    <ds:schemaRef ds:uri="http://schemas.microsoft.com/office/2006/metadata/contentType"/>
-    <ds:schemaRef ds:uri="http://schemas.microsoft.com/office/2006/metadata/properties/metaAttributes"/>
-    <ds:schemaRef ds:uri="http://www.w3.org/2001/XMLSchema"/>
-    <ds:schemaRef ds:uri="http://schemas.microsoft.com/office/2006/metadata/properties"/>
-    <ds:schemaRef ds:uri="ecd1fa32-ae44-48d6-80a1-71a52da60b4a"/>
-    <ds:schemaRef ds:uri="http://schemas.microsoft.com/office/2006/documentManagement/types"/>
-    <ds:schemaRef ds:uri="http://schemas.microsoft.com/office/infopath/2007/PartnerControls"/>
-    <ds:schemaRef ds:uri="http://schemas.openxmlformats.org/package/2006/metadata/core-properties"/>
-    <ds:schemaRef ds:uri="http://purl.org/dc/elements/1.1/"/>
-    <ds:schemaRef ds:uri="http://purl.org/dc/terms/"/>
-    <ds:schemaRef ds:uri="http://schemas.microsoft.com/internal/obd"/>
+    <ds:schemaRef ds:uri="http://schemas.microsoft.com/sharepoint/v3/contenttype/forms"/>
   </ds:schemaRefs>
 </ds:datastoreItem>
 </file>
@@ -9049,9 +8835,19 @@
 </file>
 
 <file path=customXml/itemProps3.xml><?xml version="1.0" encoding="utf-8"?>
-<ds:datastoreItem xmlns:ds="http://schemas.openxmlformats.org/officeDocument/2006/customXml" ds:itemID="{B0CA13EC-1D3C-4D6F-8D1C-E8A452CFC79A}">
+<ds:datastoreItem xmlns:ds="http://schemas.openxmlformats.org/officeDocument/2006/customXml" ds:itemID="{A545FFDC-6555-4FAD-8A13-72F96FEB882E}">
   <ds:schemaRefs>
-    <ds:schemaRef ds:uri="http://schemas.microsoft.com/sharepoint/v3/contenttype/forms"/>
+    <ds:schemaRef ds:uri="http://schemas.microsoft.com/office/2006/metadata/contentType"/>
+    <ds:schemaRef ds:uri="http://schemas.microsoft.com/office/2006/metadata/properties/metaAttributes"/>
+    <ds:schemaRef ds:uri="http://www.w3.org/2001/XMLSchema"/>
+    <ds:schemaRef ds:uri="http://schemas.microsoft.com/office/2006/metadata/properties"/>
+    <ds:schemaRef ds:uri="ecd1fa32-ae44-48d6-80a1-71a52da60b4a"/>
+    <ds:schemaRef ds:uri="http://schemas.microsoft.com/office/2006/documentManagement/types"/>
+    <ds:schemaRef ds:uri="http://schemas.microsoft.com/office/infopath/2007/PartnerControls"/>
+    <ds:schemaRef ds:uri="http://schemas.openxmlformats.org/package/2006/metadata/core-properties"/>
+    <ds:schemaRef ds:uri="http://purl.org/dc/elements/1.1/"/>
+    <ds:schemaRef ds:uri="http://purl.org/dc/terms/"/>
+    <ds:schemaRef ds:uri="http://schemas.microsoft.com/internal/obd"/>
   </ds:schemaRefs>
 </ds:datastoreItem>
 </file>
--- a/Slides/M5 Client.pptx
+++ b/Slides/M5 Client.pptx
@@ -6,10 +6,10 @@
     <p:sldMasterId id="2147483674" r:id="rId5"/>
   </p:sldMasterIdLst>
   <p:notesMasterIdLst>
-    <p:notesMasterId r:id="rId14"/>
+    <p:notesMasterId r:id="rId19"/>
   </p:notesMasterIdLst>
   <p:handoutMasterIdLst>
-    <p:handoutMasterId r:id="rId15"/>
+    <p:handoutMasterId r:id="rId20"/>
   </p:handoutMasterIdLst>
   <p:sldIdLst>
     <p:sldId id="271" r:id="rId6"/>
@@ -17,9 +17,14 @@
     <p:sldId id="283" r:id="rId8"/>
     <p:sldId id="288" r:id="rId9"/>
     <p:sldId id="414" r:id="rId10"/>
-    <p:sldId id="454" r:id="rId11"/>
-    <p:sldId id="458" r:id="rId12"/>
-    <p:sldId id="269" r:id="rId13"/>
+    <p:sldId id="460" r:id="rId11"/>
+    <p:sldId id="461" r:id="rId12"/>
+    <p:sldId id="462" r:id="rId13"/>
+    <p:sldId id="463" r:id="rId14"/>
+    <p:sldId id="464" r:id="rId15"/>
+    <p:sldId id="454" r:id="rId16"/>
+    <p:sldId id="458" r:id="rId17"/>
+    <p:sldId id="269" r:id="rId18"/>
   </p:sldIdLst>
   <p:sldSz cx="12192000" cy="6858000"/>
   <p:notesSz cx="6858000" cy="9144000"/>
@@ -132,6 +137,11 @@
             <p14:sldId id="283"/>
             <p14:sldId id="288"/>
             <p14:sldId id="414"/>
+            <p14:sldId id="460"/>
+            <p14:sldId id="461"/>
+            <p14:sldId id="462"/>
+            <p14:sldId id="463"/>
+            <p14:sldId id="464"/>
             <p14:sldId id="454"/>
             <p14:sldId id="458"/>
           </p14:sldIdLst>
@@ -235,7 +245,7 @@
           <a:p>
             <a:fld id="{312E7B4A-039C-48A2-9B2C-AF16AA3873D8}" type="datetimeFigureOut">
               <a:rPr lang="en-US" smtClean="0"/>
-              <a:t>10/13/2014</a:t>
+              <a:t>10/14/2014</a:t>
             </a:fld>
             <a:endParaRPr lang="en-US"/>
           </a:p>
@@ -400,7 +410,7 @@
           <a:p>
             <a:fld id="{DA005A0C-54D9-45AA-87D4-C551D08DFCE1}" type="datetimeFigureOut">
               <a:rPr lang="en-US" smtClean="0"/>
-              <a:t>10/13/2014</a:t>
+              <a:t>10/14/2014</a:t>
             </a:fld>
             <a:endParaRPr lang="en-US"/>
           </a:p>
@@ -1102,7 +1112,7 @@
             <a:fld id="{13F0F35F-DD44-4607-AEC1-49D7A4BC4066}" type="slidenum">
               <a:rPr lang="en-US" smtClean="0"/>
               <a:pPr/>
-              <a:t>6</a:t>
+              <a:t>11</a:t>
             </a:fld>
             <a:endParaRPr lang="en-US" dirty="0"/>
           </a:p>
@@ -1194,7 +1204,7 @@
             <a:fld id="{13F0F35F-DD44-4607-AEC1-49D7A4BC4066}" type="slidenum">
               <a:rPr lang="en-US" smtClean="0"/>
               <a:pPr/>
-              <a:t>7</a:t>
+              <a:t>12</a:t>
             </a:fld>
             <a:endParaRPr lang="en-US" dirty="0"/>
           </a:p>
@@ -6718,6 +6728,263 @@
 </p:sld>
 </file>
 
+<file path=ppt/slides/slide10.xml><?xml version="1.0" encoding="utf-8"?>
+<p:sld xmlns:a="http://schemas.openxmlformats.org/drawingml/2006/main" xmlns:r="http://schemas.openxmlformats.org/officeDocument/2006/relationships" xmlns:p="http://schemas.openxmlformats.org/presentationml/2006/main">
+  <p:cSld>
+    <p:spTree>
+      <p:nvGrpSpPr>
+        <p:cNvPr id="1" name=""/>
+        <p:cNvGrpSpPr/>
+        <p:nvPr/>
+      </p:nvGrpSpPr>
+      <p:grpSpPr>
+        <a:xfrm>
+          <a:off x="0" y="0"/>
+          <a:ext cx="0" cy="0"/>
+          <a:chOff x="0" y="0"/>
+          <a:chExt cx="0" cy="0"/>
+        </a:xfrm>
+      </p:grpSpPr>
+      <p:sp>
+        <p:nvSpPr>
+          <p:cNvPr id="4" name="Title 3"/>
+          <p:cNvSpPr>
+            <a:spLocks noGrp="1"/>
+          </p:cNvSpPr>
+          <p:nvPr>
+            <p:ph type="title"/>
+          </p:nvPr>
+        </p:nvSpPr>
+        <p:spPr/>
+        <p:txBody>
+          <a:bodyPr/>
+          <a:lstStyle/>
+          <a:p>
+            <a:r>
+              <a:rPr lang="en-US" dirty="0" smtClean="0"/>
+              <a:t>Starting with </a:t>
+            </a:r>
+            <a:r>
+              <a:rPr lang="en-US" dirty="0" err="1" smtClean="0"/>
+              <a:t>HotTowel</a:t>
+            </a:r>
+            <a:r>
+              <a:rPr lang="en-US" dirty="0" smtClean="0"/>
+              <a:t> by John Papa via </a:t>
+            </a:r>
+            <a:r>
+              <a:rPr lang="en-US" dirty="0" err="1" smtClean="0"/>
+              <a:t>Nuget</a:t>
+            </a:r>
+            <a:endParaRPr lang="en-US" dirty="0"/>
+          </a:p>
+        </p:txBody>
+      </p:sp>
+    </p:spTree>
+    <p:extLst>
+      <p:ext uri="{BB962C8B-B14F-4D97-AF65-F5344CB8AC3E}">
+        <p14:creationId xmlns:p14="http://schemas.microsoft.com/office/powerpoint/2010/main" val="254078508"/>
+      </p:ext>
+    </p:extLst>
+  </p:cSld>
+  <p:clrMapOvr>
+    <a:masterClrMapping/>
+  </p:clrMapOvr>
+</p:sld>
+</file>
+
+<file path=ppt/slides/slide11.xml><?xml version="1.0" encoding="utf-8"?>
+<p:sld xmlns:a="http://schemas.openxmlformats.org/drawingml/2006/main" xmlns:r="http://schemas.openxmlformats.org/officeDocument/2006/relationships" xmlns:p="http://schemas.openxmlformats.org/presentationml/2006/main">
+  <p:cSld>
+    <p:spTree>
+      <p:nvGrpSpPr>
+        <p:cNvPr id="1" name=""/>
+        <p:cNvGrpSpPr/>
+        <p:nvPr/>
+      </p:nvGrpSpPr>
+      <p:grpSpPr>
+        <a:xfrm>
+          <a:off x="0" y="0"/>
+          <a:ext cx="0" cy="0"/>
+          <a:chOff x="0" y="0"/>
+          <a:chExt cx="0" cy="0"/>
+        </a:xfrm>
+      </p:grpSpPr>
+      <p:sp>
+        <p:nvSpPr>
+          <p:cNvPr id="7" name="Content Placeholder 6"/>
+          <p:cNvSpPr>
+            <a:spLocks noGrp="1"/>
+          </p:cNvSpPr>
+          <p:nvPr>
+            <p:ph sz="quarter" idx="10"/>
+          </p:nvPr>
+        </p:nvSpPr>
+        <p:spPr/>
+        <p:txBody>
+          <a:bodyPr>
+            <a:normAutofit/>
+          </a:bodyPr>
+          <a:lstStyle/>
+          <a:p>
+            <a:endParaRPr lang="en-GB" dirty="0"/>
+          </a:p>
+        </p:txBody>
+      </p:sp>
+      <p:sp>
+        <p:nvSpPr>
+          <p:cNvPr id="2" name="Title 1"/>
+          <p:cNvSpPr>
+            <a:spLocks noGrp="1"/>
+          </p:cNvSpPr>
+          <p:nvPr>
+            <p:ph type="title"/>
+          </p:nvPr>
+        </p:nvSpPr>
+        <p:spPr/>
+        <p:txBody>
+          <a:bodyPr/>
+          <a:lstStyle/>
+          <a:p>
+            <a:r>
+              <a:rPr lang="en-US" dirty="0" smtClean="0"/>
+              <a:t>Resources</a:t>
+            </a:r>
+            <a:endParaRPr lang="en-US" dirty="0"/>
+          </a:p>
+        </p:txBody>
+      </p:sp>
+    </p:spTree>
+    <p:extLst>
+      <p:ext uri="{BB962C8B-B14F-4D97-AF65-F5344CB8AC3E}">
+        <p14:creationId xmlns:p14="http://schemas.microsoft.com/office/powerpoint/2010/main" val="2567384094"/>
+      </p:ext>
+    </p:extLst>
+  </p:cSld>
+  <p:clrMapOvr>
+    <a:masterClrMapping/>
+  </p:clrMapOvr>
+  <p:timing>
+    <p:tnLst>
+      <p:par>
+        <p:cTn id="1" dur="indefinite" restart="never" nodeType="tmRoot"/>
+      </p:par>
+    </p:tnLst>
+  </p:timing>
+</p:sld>
+</file>
+
+<file path=ppt/slides/slide12.xml><?xml version="1.0" encoding="utf-8"?>
+<p:sld xmlns:a="http://schemas.openxmlformats.org/drawingml/2006/main" xmlns:r="http://schemas.openxmlformats.org/officeDocument/2006/relationships" xmlns:p="http://schemas.openxmlformats.org/presentationml/2006/main">
+  <p:cSld>
+    <p:spTree>
+      <p:nvGrpSpPr>
+        <p:cNvPr id="1" name=""/>
+        <p:cNvGrpSpPr/>
+        <p:nvPr/>
+      </p:nvGrpSpPr>
+      <p:grpSpPr>
+        <a:xfrm>
+          <a:off x="0" y="0"/>
+          <a:ext cx="0" cy="0"/>
+          <a:chOff x="0" y="0"/>
+          <a:chExt cx="0" cy="0"/>
+        </a:xfrm>
+      </p:grpSpPr>
+      <p:sp>
+        <p:nvSpPr>
+          <p:cNvPr id="7" name="Content Placeholder 6"/>
+          <p:cNvSpPr>
+            <a:spLocks noGrp="1"/>
+          </p:cNvSpPr>
+          <p:nvPr>
+            <p:ph sz="quarter" idx="10"/>
+          </p:nvPr>
+        </p:nvSpPr>
+        <p:spPr/>
+        <p:txBody>
+          <a:bodyPr>
+            <a:normAutofit/>
+          </a:bodyPr>
+          <a:lstStyle/>
+          <a:p>
+            <a:endParaRPr lang="en-GB" dirty="0"/>
+          </a:p>
+        </p:txBody>
+      </p:sp>
+      <p:sp>
+        <p:nvSpPr>
+          <p:cNvPr id="2" name="Title 1"/>
+          <p:cNvSpPr>
+            <a:spLocks noGrp="1"/>
+          </p:cNvSpPr>
+          <p:nvPr>
+            <p:ph type="title"/>
+          </p:nvPr>
+        </p:nvSpPr>
+        <p:spPr/>
+        <p:txBody>
+          <a:bodyPr/>
+          <a:lstStyle/>
+          <a:p>
+            <a:r>
+              <a:rPr lang="en-US" dirty="0" smtClean="0"/>
+              <a:t>Summary</a:t>
+            </a:r>
+            <a:endParaRPr lang="en-US" dirty="0"/>
+          </a:p>
+        </p:txBody>
+      </p:sp>
+    </p:spTree>
+    <p:extLst>
+      <p:ext uri="{BB962C8B-B14F-4D97-AF65-F5344CB8AC3E}">
+        <p14:creationId xmlns:p14="http://schemas.microsoft.com/office/powerpoint/2010/main" val="393125443"/>
+      </p:ext>
+    </p:extLst>
+  </p:cSld>
+  <p:clrMapOvr>
+    <a:masterClrMapping/>
+  </p:clrMapOvr>
+  <p:timing>
+    <p:tnLst>
+      <p:par>
+        <p:cTn id="1" dur="indefinite" restart="never" nodeType="tmRoot"/>
+      </p:par>
+    </p:tnLst>
+  </p:timing>
+</p:sld>
+</file>
+
+<file path=ppt/slides/slide13.xml><?xml version="1.0" encoding="utf-8"?>
+<p:sld xmlns:a="http://schemas.openxmlformats.org/drawingml/2006/main" xmlns:r="http://schemas.openxmlformats.org/officeDocument/2006/relationships" xmlns:p="http://schemas.openxmlformats.org/presentationml/2006/main">
+  <p:cSld>
+    <p:spTree>
+      <p:nvGrpSpPr>
+        <p:cNvPr id="1" name=""/>
+        <p:cNvGrpSpPr/>
+        <p:nvPr/>
+      </p:nvGrpSpPr>
+      <p:grpSpPr>
+        <a:xfrm>
+          <a:off x="0" y="0"/>
+          <a:ext cx="0" cy="0"/>
+          <a:chOff x="0" y="0"/>
+          <a:chExt cx="0" cy="0"/>
+        </a:xfrm>
+      </p:grpSpPr>
+    </p:spTree>
+    <p:extLst>
+      <p:ext uri="{BB962C8B-B14F-4D97-AF65-F5344CB8AC3E}">
+        <p14:creationId xmlns:p14="http://schemas.microsoft.com/office/powerpoint/2010/main" val="898363405"/>
+      </p:ext>
+    </p:extLst>
+  </p:cSld>
+  <p:clrMapOvr>
+    <a:masterClrMapping/>
+  </p:clrMapOvr>
+</p:sld>
+</file>
+
 <file path=ppt/slides/slide2.xml><?xml version="1.0" encoding="utf-8"?>
 <p:sld xmlns:a="http://schemas.openxmlformats.org/drawingml/2006/main" xmlns:r="http://schemas.openxmlformats.org/officeDocument/2006/relationships" xmlns:p="http://schemas.openxmlformats.org/presentationml/2006/main">
   <p:cSld>
@@ -6786,14 +7053,14 @@
                 <a:gridCol w="5762625">
                   <a:extLst>
                     <a:ext uri="{9D8B030D-6E8A-4147-A177-3AD203B41FA5}">
-                      <a16:colId xmlns:a16="http://schemas.microsoft.com/office/drawing/2014/main" xmlns="" val="1632794655"/>
+                      <a16:colId xmlns="" xmlns:a16="http://schemas.microsoft.com/office/drawing/2014/main" val="1632794655"/>
                     </a:ext>
                   </a:extLst>
                 </a:gridCol>
                 <a:gridCol w="5762625">
                   <a:extLst>
                     <a:ext uri="{9D8B030D-6E8A-4147-A177-3AD203B41FA5}">
-                      <a16:colId xmlns:a16="http://schemas.microsoft.com/office/drawing/2014/main" xmlns="" val="2011313899"/>
+                      <a16:colId xmlns="" xmlns:a16="http://schemas.microsoft.com/office/drawing/2014/main" val="2011313899"/>
                     </a:ext>
                   </a:extLst>
                 </a:gridCol>
@@ -6831,7 +7098,7 @@
                 </a:tc>
                 <a:extLst>
                   <a:ext uri="{0D108BD9-81ED-4DB2-BD59-A6C34878D82A}">
-                    <a16:rowId xmlns:a16="http://schemas.microsoft.com/office/drawing/2014/main" xmlns="" val="1789177411"/>
+                    <a16:rowId xmlns="" xmlns:a16="http://schemas.microsoft.com/office/drawing/2014/main" val="1789177411"/>
                   </a:ext>
                 </a:extLst>
               </a:tr>
@@ -6892,7 +7159,7 @@
                 </a:tc>
                 <a:extLst>
                   <a:ext uri="{0D108BD9-81ED-4DB2-BD59-A6C34878D82A}">
-                    <a16:rowId xmlns:a16="http://schemas.microsoft.com/office/drawing/2014/main" xmlns="" val="3842815335"/>
+                    <a16:rowId xmlns="" xmlns:a16="http://schemas.microsoft.com/office/drawing/2014/main" val="3842815335"/>
                   </a:ext>
                 </a:extLst>
               </a:tr>
@@ -6939,7 +7206,7 @@
                 </a:tc>
                 <a:extLst>
                   <a:ext uri="{0D108BD9-81ED-4DB2-BD59-A6C34878D82A}">
-                    <a16:rowId xmlns:a16="http://schemas.microsoft.com/office/drawing/2014/main" xmlns="" val="321066646"/>
+                    <a16:rowId xmlns="" xmlns:a16="http://schemas.microsoft.com/office/drawing/2014/main" val="321066646"/>
                   </a:ext>
                 </a:extLst>
               </a:tr>
@@ -7010,7 +7277,7 @@
                 </a:tc>
                 <a:extLst>
                   <a:ext uri="{0D108BD9-81ED-4DB2-BD59-A6C34878D82A}">
-                    <a16:rowId xmlns:a16="http://schemas.microsoft.com/office/drawing/2014/main" xmlns="" val="3812060533"/>
+                    <a16:rowId xmlns="" xmlns:a16="http://schemas.microsoft.com/office/drawing/2014/main" val="3812060533"/>
                   </a:ext>
                 </a:extLst>
               </a:tr>
@@ -7390,7 +7657,30 @@
       </p:grpSpPr>
       <p:sp>
         <p:nvSpPr>
-          <p:cNvPr id="7" name="Content Placeholder 6"/>
+          <p:cNvPr id="4" name="Title 3"/>
+          <p:cNvSpPr>
+            <a:spLocks noGrp="1"/>
+          </p:cNvSpPr>
+          <p:nvPr>
+            <p:ph type="title"/>
+          </p:nvPr>
+        </p:nvSpPr>
+        <p:spPr/>
+        <p:txBody>
+          <a:bodyPr/>
+          <a:lstStyle/>
+          <a:p>
+            <a:r>
+              <a:rPr lang="en-US" dirty="0" smtClean="0"/>
+              <a:t>Options for Getting Started</a:t>
+            </a:r>
+            <a:endParaRPr lang="en-US" dirty="0"/>
+          </a:p>
+        </p:txBody>
+      </p:sp>
+      <p:sp>
+        <p:nvSpPr>
+          <p:cNvPr id="5" name="Content Placeholder 4"/>
           <p:cNvSpPr>
             <a:spLocks noGrp="1"/>
           </p:cNvSpPr>
@@ -7400,33 +7690,44 @@
         </p:nvSpPr>
         <p:spPr/>
         <p:txBody>
-          <a:bodyPr>
-            <a:normAutofit/>
-          </a:bodyPr>
-          <a:lstStyle/>
-          <a:p>
-            <a:endParaRPr lang="en-GB" dirty="0"/>
-          </a:p>
-        </p:txBody>
-      </p:sp>
-      <p:sp>
-        <p:nvSpPr>
-          <p:cNvPr id="2" name="Title 1"/>
-          <p:cNvSpPr>
-            <a:spLocks noGrp="1"/>
-          </p:cNvSpPr>
-          <p:nvPr>
-            <p:ph type="title"/>
-          </p:nvPr>
-        </p:nvSpPr>
-        <p:spPr/>
-        <p:txBody>
           <a:bodyPr/>
           <a:lstStyle/>
           <a:p>
             <a:r>
               <a:rPr lang="en-US" dirty="0" smtClean="0"/>
-              <a:t>Resources</a:t>
+              <a:t>angular from scratch</a:t>
+            </a:r>
+          </a:p>
+          <a:p>
+            <a:r>
+              <a:rPr lang="en-US" dirty="0" smtClean="0"/>
+              <a:t>yeoman generator-angular</a:t>
+            </a:r>
+          </a:p>
+          <a:p>
+            <a:r>
+              <a:rPr lang="en-US" dirty="0" smtClean="0"/>
+              <a:t>angular/angular-seed</a:t>
+            </a:r>
+          </a:p>
+          <a:p>
+            <a:r>
+              <a:rPr lang="en-US" dirty="0" smtClean="0"/>
+              <a:t>ng.NET (VS project template)</a:t>
+            </a:r>
+          </a:p>
+          <a:p>
+            <a:r>
+              <a:rPr lang="en-US" dirty="0" smtClean="0"/>
+              <a:t>Hot Towel by John Papa (via </a:t>
+            </a:r>
+            <a:r>
+              <a:rPr lang="en-US" dirty="0" err="1" smtClean="0"/>
+              <a:t>Nuget</a:t>
+            </a:r>
+            <a:r>
+              <a:rPr lang="en-US" dirty="0" smtClean="0"/>
+              <a:t>)</a:t>
             </a:r>
             <a:endParaRPr lang="en-US" dirty="0"/>
           </a:p>
@@ -7435,20 +7736,13 @@
     </p:spTree>
     <p:extLst>
       <p:ext uri="{BB962C8B-B14F-4D97-AF65-F5344CB8AC3E}">
-        <p14:creationId xmlns:p14="http://schemas.microsoft.com/office/powerpoint/2010/main" val="2567384094"/>
+        <p14:creationId xmlns:p14="http://schemas.microsoft.com/office/powerpoint/2010/main" val="1627794042"/>
       </p:ext>
     </p:extLst>
   </p:cSld>
   <p:clrMapOvr>
     <a:masterClrMapping/>
   </p:clrMapOvr>
-  <p:timing>
-    <p:tnLst>
-      <p:par>
-        <p:cTn id="1" dur="indefinite" restart="never" nodeType="tmRoot"/>
-      </p:par>
-    </p:tnLst>
-  </p:timing>
 </p:sld>
 </file>
 
@@ -7471,28 +7765,7 @@
       </p:grpSpPr>
       <p:sp>
         <p:nvSpPr>
-          <p:cNvPr id="7" name="Content Placeholder 6"/>
-          <p:cNvSpPr>
-            <a:spLocks noGrp="1"/>
-          </p:cNvSpPr>
-          <p:nvPr>
-            <p:ph sz="quarter" idx="10"/>
-          </p:nvPr>
-        </p:nvSpPr>
-        <p:spPr/>
-        <p:txBody>
-          <a:bodyPr>
-            <a:normAutofit/>
-          </a:bodyPr>
-          <a:lstStyle/>
-          <a:p>
-            <a:endParaRPr lang="en-GB" dirty="0"/>
-          </a:p>
-        </p:txBody>
-      </p:sp>
-      <p:sp>
-        <p:nvSpPr>
-          <p:cNvPr id="2" name="Title 1"/>
+          <p:cNvPr id="4" name="Title 3"/>
           <p:cNvSpPr>
             <a:spLocks noGrp="1"/>
           </p:cNvSpPr>
@@ -7507,7 +7780,7 @@
           <a:p>
             <a:r>
               <a:rPr lang="en-US" dirty="0" smtClean="0"/>
-              <a:t>Summary</a:t>
+              <a:t>Yeoman generator-angular</a:t>
             </a:r>
             <a:endParaRPr lang="en-US" dirty="0"/>
           </a:p>
@@ -7516,20 +7789,13 @@
     </p:spTree>
     <p:extLst>
       <p:ext uri="{BB962C8B-B14F-4D97-AF65-F5344CB8AC3E}">
-        <p14:creationId xmlns:p14="http://schemas.microsoft.com/office/powerpoint/2010/main" val="393125443"/>
+        <p14:creationId xmlns:p14="http://schemas.microsoft.com/office/powerpoint/2010/main" val="961139186"/>
       </p:ext>
     </p:extLst>
   </p:cSld>
   <p:clrMapOvr>
     <a:masterClrMapping/>
   </p:clrMapOvr>
-  <p:timing>
-    <p:tnLst>
-      <p:par>
-        <p:cTn id="1" dur="indefinite" restart="never" nodeType="tmRoot"/>
-      </p:par>
-    </p:tnLst>
-  </p:timing>
 </p:sld>
 </file>
 
@@ -7550,10 +7816,86 @@
           <a:chExt cx="0" cy="0"/>
         </a:xfrm>
       </p:grpSpPr>
+      <p:sp>
+        <p:nvSpPr>
+          <p:cNvPr id="4" name="Title 3"/>
+          <p:cNvSpPr>
+            <a:spLocks noGrp="1"/>
+          </p:cNvSpPr>
+          <p:nvPr>
+            <p:ph type="title"/>
+          </p:nvPr>
+        </p:nvSpPr>
+        <p:spPr/>
+        <p:txBody>
+          <a:bodyPr/>
+          <a:lstStyle/>
+          <a:p>
+            <a:r>
+              <a:rPr lang="en-US" dirty="0" smtClean="0"/>
+              <a:t>Cloning angular/angular-seed</a:t>
+            </a:r>
+            <a:endParaRPr lang="en-US" dirty="0"/>
+          </a:p>
+        </p:txBody>
+      </p:sp>
     </p:spTree>
     <p:extLst>
       <p:ext uri="{BB962C8B-B14F-4D97-AF65-F5344CB8AC3E}">
-        <p14:creationId xmlns:p14="http://schemas.microsoft.com/office/powerpoint/2010/main" val="898363405"/>
+        <p14:creationId xmlns:p14="http://schemas.microsoft.com/office/powerpoint/2010/main" val="4031838643"/>
+      </p:ext>
+    </p:extLst>
+  </p:cSld>
+  <p:clrMapOvr>
+    <a:masterClrMapping/>
+  </p:clrMapOvr>
+</p:sld>
+</file>
+
+<file path=ppt/slides/slide9.xml><?xml version="1.0" encoding="utf-8"?>
+<p:sld xmlns:a="http://schemas.openxmlformats.org/drawingml/2006/main" xmlns:r="http://schemas.openxmlformats.org/officeDocument/2006/relationships" xmlns:p="http://schemas.openxmlformats.org/presentationml/2006/main">
+  <p:cSld>
+    <p:spTree>
+      <p:nvGrpSpPr>
+        <p:cNvPr id="1" name=""/>
+        <p:cNvGrpSpPr/>
+        <p:nvPr/>
+      </p:nvGrpSpPr>
+      <p:grpSpPr>
+        <a:xfrm>
+          <a:off x="0" y="0"/>
+          <a:ext cx="0" cy="0"/>
+          <a:chOff x="0" y="0"/>
+          <a:chExt cx="0" cy="0"/>
+        </a:xfrm>
+      </p:grpSpPr>
+      <p:sp>
+        <p:nvSpPr>
+          <p:cNvPr id="4" name="Title 3"/>
+          <p:cNvSpPr>
+            <a:spLocks noGrp="1"/>
+          </p:cNvSpPr>
+          <p:nvPr>
+            <p:ph type="title"/>
+          </p:nvPr>
+        </p:nvSpPr>
+        <p:spPr/>
+        <p:txBody>
+          <a:bodyPr/>
+          <a:lstStyle/>
+          <a:p>
+            <a:r>
+              <a:rPr lang="en-US" dirty="0" smtClean="0"/>
+              <a:t>Starting with the ng.NET project template</a:t>
+            </a:r>
+            <a:endParaRPr lang="en-US" dirty="0"/>
+          </a:p>
+        </p:txBody>
+      </p:sp>
+    </p:spTree>
+    <p:extLst>
+      <p:ext uri="{BB962C8B-B14F-4D97-AF65-F5344CB8AC3E}">
+        <p14:creationId xmlns:p14="http://schemas.microsoft.com/office/powerpoint/2010/main" val="2831991818"/>
       </p:ext>
     </p:extLst>
   </p:cSld>
@@ -8656,21 +8998,6 @@
 </file>
 
 <file path=customXml/item1.xml><?xml version="1.0" encoding="utf-8"?>
-<?mso-contentType ?>
-<FormTemplates xmlns="http://schemas.microsoft.com/sharepoint/v3/contenttype/forms">
-  <Display>DocumentLibraryForm</Display>
-  <Edit>DocumentLibraryForm</Edit>
-  <New>DocumentLibraryForm</New>
-</FormTemplates>
-</file>
-
-<file path=customXml/item2.xml><?xml version="1.0" encoding="utf-8"?>
-<p:properties xmlns:p="http://schemas.microsoft.com/office/2006/metadata/properties" xmlns:xsi="http://www.w3.org/2001/XMLSchema-instance" xmlns:pc="http://schemas.microsoft.com/office/infopath/2007/PartnerControls">
-  <documentManagement/>
-</p:properties>
-</file>
-
-<file path=customXml/item3.xml><?xml version="1.0" encoding="utf-8"?>
 <ct:contentTypeSchema xmlns:ct="http://schemas.microsoft.com/office/2006/metadata/contentType" xmlns:ma="http://schemas.microsoft.com/office/2006/metadata/properties/metaAttributes" ct:_="" ma:_="" ma:contentTypeName="Document" ma:contentTypeID="0x010100CF3CFFA86DA93345A891C3CCBC738F63" ma:contentTypeVersion="1" ma:contentTypeDescription="Create a new document." ma:contentTypeScope="" ma:versionID="060e45d69093970729cdde03e78aa3cc">
   <xsd:schema xmlns:xsd="http://www.w3.org/2001/XMLSchema" xmlns:xs="http://www.w3.org/2001/XMLSchema" xmlns:p="http://schemas.microsoft.com/office/2006/metadata/properties" xmlns:ns3="ecd1fa32-ae44-48d6-80a1-71a52da60b4a" targetNamespace="http://schemas.microsoft.com/office/2006/metadata/properties" ma:root="true" ma:fieldsID="2fc9741b54117334ed0e10932dac3600" ns3:_="">
     <xsd:import namespace="ecd1fa32-ae44-48d6-80a1-71a52da60b4a"/>
@@ -8810,10 +9137,35 @@
 </ct:contentTypeSchema>
 </file>
 
+<file path=customXml/item2.xml><?xml version="1.0" encoding="utf-8"?>
+<p:properties xmlns:p="http://schemas.microsoft.com/office/2006/metadata/properties" xmlns:xsi="http://www.w3.org/2001/XMLSchema-instance" xmlns:pc="http://schemas.microsoft.com/office/infopath/2007/PartnerControls">
+  <documentManagement/>
+</p:properties>
+</file>
+
+<file path=customXml/item3.xml><?xml version="1.0" encoding="utf-8"?>
+<?mso-contentType ?>
+<FormTemplates xmlns="http://schemas.microsoft.com/sharepoint/v3/contenttype/forms">
+  <Display>DocumentLibraryForm</Display>
+  <Edit>DocumentLibraryForm</Edit>
+  <New>DocumentLibraryForm</New>
+</FormTemplates>
+</file>
+
 <file path=customXml/itemProps1.xml><?xml version="1.0" encoding="utf-8"?>
-<ds:datastoreItem xmlns:ds="http://schemas.openxmlformats.org/officeDocument/2006/customXml" ds:itemID="{B0CA13EC-1D3C-4D6F-8D1C-E8A452CFC79A}">
+<ds:datastoreItem xmlns:ds="http://schemas.openxmlformats.org/officeDocument/2006/customXml" ds:itemID="{A545FFDC-6555-4FAD-8A13-72F96FEB882E}">
   <ds:schemaRefs>
-    <ds:schemaRef ds:uri="http://schemas.microsoft.com/sharepoint/v3/contenttype/forms"/>
+    <ds:schemaRef ds:uri="http://schemas.microsoft.com/office/2006/metadata/contentType"/>
+    <ds:schemaRef ds:uri="http://schemas.microsoft.com/office/2006/metadata/properties/metaAttributes"/>
+    <ds:schemaRef ds:uri="http://www.w3.org/2001/XMLSchema"/>
+    <ds:schemaRef ds:uri="http://schemas.microsoft.com/office/2006/metadata/properties"/>
+    <ds:schemaRef ds:uri="ecd1fa32-ae44-48d6-80a1-71a52da60b4a"/>
+    <ds:schemaRef ds:uri="http://schemas.microsoft.com/office/2006/documentManagement/types"/>
+    <ds:schemaRef ds:uri="http://schemas.microsoft.com/office/infopath/2007/PartnerControls"/>
+    <ds:schemaRef ds:uri="http://schemas.openxmlformats.org/package/2006/metadata/core-properties"/>
+    <ds:schemaRef ds:uri="http://purl.org/dc/elements/1.1/"/>
+    <ds:schemaRef ds:uri="http://purl.org/dc/terms/"/>
+    <ds:schemaRef ds:uri="http://schemas.microsoft.com/internal/obd"/>
   </ds:schemaRefs>
 </ds:datastoreItem>
 </file>
@@ -8835,19 +9187,9 @@
 </file>
 
 <file path=customXml/itemProps3.xml><?xml version="1.0" encoding="utf-8"?>
-<ds:datastoreItem xmlns:ds="http://schemas.openxmlformats.org/officeDocument/2006/customXml" ds:itemID="{A545FFDC-6555-4FAD-8A13-72F96FEB882E}">
+<ds:datastoreItem xmlns:ds="http://schemas.openxmlformats.org/officeDocument/2006/customXml" ds:itemID="{B0CA13EC-1D3C-4D6F-8D1C-E8A452CFC79A}">
   <ds:schemaRefs>
-    <ds:schemaRef ds:uri="http://schemas.microsoft.com/office/2006/metadata/contentType"/>
-    <ds:schemaRef ds:uri="http://schemas.microsoft.com/office/2006/metadata/properties/metaAttributes"/>
-    <ds:schemaRef ds:uri="http://www.w3.org/2001/XMLSchema"/>
-    <ds:schemaRef ds:uri="http://schemas.microsoft.com/office/2006/metadata/properties"/>
-    <ds:schemaRef ds:uri="ecd1fa32-ae44-48d6-80a1-71a52da60b4a"/>
-    <ds:schemaRef ds:uri="http://schemas.microsoft.com/office/2006/documentManagement/types"/>
-    <ds:schemaRef ds:uri="http://schemas.microsoft.com/office/infopath/2007/PartnerControls"/>
-    <ds:schemaRef ds:uri="http://schemas.openxmlformats.org/package/2006/metadata/core-properties"/>
-    <ds:schemaRef ds:uri="http://purl.org/dc/elements/1.1/"/>
-    <ds:schemaRef ds:uri="http://purl.org/dc/terms/"/>
-    <ds:schemaRef ds:uri="http://schemas.microsoft.com/internal/obd"/>
+    <ds:schemaRef ds:uri="http://schemas.microsoft.com/sharepoint/v3/contenttype/forms"/>
   </ds:schemaRefs>
 </ds:datastoreItem>
 </file>
--- a/Slides/M5 Client.pptx
+++ b/Slides/M5 Client.pptx
@@ -6,10 +6,10 @@
     <p:sldMasterId id="2147483674" r:id="rId5"/>
   </p:sldMasterIdLst>
   <p:notesMasterIdLst>
-    <p:notesMasterId r:id="rId19"/>
+    <p:notesMasterId r:id="rId20"/>
   </p:notesMasterIdLst>
   <p:handoutMasterIdLst>
-    <p:handoutMasterId r:id="rId20"/>
+    <p:handoutMasterId r:id="rId21"/>
   </p:handoutMasterIdLst>
   <p:sldIdLst>
     <p:sldId id="271" r:id="rId6"/>
@@ -18,13 +18,14 @@
     <p:sldId id="288" r:id="rId9"/>
     <p:sldId id="414" r:id="rId10"/>
     <p:sldId id="460" r:id="rId11"/>
-    <p:sldId id="461" r:id="rId12"/>
-    <p:sldId id="462" r:id="rId13"/>
-    <p:sldId id="463" r:id="rId14"/>
-    <p:sldId id="464" r:id="rId15"/>
-    <p:sldId id="454" r:id="rId16"/>
-    <p:sldId id="458" r:id="rId17"/>
-    <p:sldId id="269" r:id="rId18"/>
+    <p:sldId id="466" r:id="rId12"/>
+    <p:sldId id="465" r:id="rId13"/>
+    <p:sldId id="461" r:id="rId14"/>
+    <p:sldId id="462" r:id="rId15"/>
+    <p:sldId id="463" r:id="rId16"/>
+    <p:sldId id="464" r:id="rId17"/>
+    <p:sldId id="458" r:id="rId18"/>
+    <p:sldId id="269" r:id="rId19"/>
   </p:sldIdLst>
   <p:sldSz cx="12192000" cy="6858000"/>
   <p:notesSz cx="6858000" cy="9144000"/>
@@ -138,11 +139,12 @@
             <p14:sldId id="288"/>
             <p14:sldId id="414"/>
             <p14:sldId id="460"/>
+            <p14:sldId id="466"/>
+            <p14:sldId id="465"/>
             <p14:sldId id="461"/>
             <p14:sldId id="462"/>
             <p14:sldId id="463"/>
             <p14:sldId id="464"/>
-            <p14:sldId id="454"/>
             <p14:sldId id="458"/>
           </p14:sldIdLst>
         </p14:section>
@@ -245,7 +247,7 @@
           <a:p>
             <a:fld id="{312E7B4A-039C-48A2-9B2C-AF16AA3873D8}" type="datetimeFigureOut">
               <a:rPr lang="en-US" smtClean="0"/>
-              <a:t>10/14/2014</a:t>
+              <a:t>10/20/2014</a:t>
             </a:fld>
             <a:endParaRPr lang="en-US"/>
           </a:p>
@@ -410,7 +412,7 @@
           <a:p>
             <a:fld id="{DA005A0C-54D9-45AA-87D4-C551D08DFCE1}" type="datetimeFigureOut">
               <a:rPr lang="en-US" smtClean="0"/>
-              <a:t>10/14/2014</a:t>
+              <a:t>10/20/2014</a:t>
             </a:fld>
             <a:endParaRPr lang="en-US"/>
           </a:p>
@@ -1112,99 +1114,7 @@
             <a:fld id="{13F0F35F-DD44-4607-AEC1-49D7A4BC4066}" type="slidenum">
               <a:rPr lang="en-US" smtClean="0"/>
               <a:pPr/>
-              <a:t>11</a:t>
-            </a:fld>
-            <a:endParaRPr lang="en-US" dirty="0"/>
-          </a:p>
-        </p:txBody>
-      </p:sp>
-    </p:spTree>
-    <p:extLst>
-      <p:ext uri="{BB962C8B-B14F-4D97-AF65-F5344CB8AC3E}">
-        <p14:creationId xmlns:p14="http://schemas.microsoft.com/office/powerpoint/2010/main" val="3625277357"/>
-      </p:ext>
-    </p:extLst>
-  </p:cSld>
-  <p:clrMapOvr>
-    <a:masterClrMapping/>
-  </p:clrMapOvr>
-</p:notes>
-</file>
-
-<file path=ppt/notesSlides/notesSlide6.xml><?xml version="1.0" encoding="utf-8"?>
-<p:notes xmlns:a="http://schemas.openxmlformats.org/drawingml/2006/main" xmlns:r="http://schemas.openxmlformats.org/officeDocument/2006/relationships" xmlns:p="http://schemas.openxmlformats.org/presentationml/2006/main">
-  <p:cSld>
-    <p:spTree>
-      <p:nvGrpSpPr>
-        <p:cNvPr id="1" name=""/>
-        <p:cNvGrpSpPr/>
-        <p:nvPr/>
-      </p:nvGrpSpPr>
-      <p:grpSpPr>
-        <a:xfrm>
-          <a:off x="0" y="0"/>
-          <a:ext cx="0" cy="0"/>
-          <a:chOff x="0" y="0"/>
-          <a:chExt cx="0" cy="0"/>
-        </a:xfrm>
-      </p:grpSpPr>
-      <p:sp>
-        <p:nvSpPr>
-          <p:cNvPr id="2" name="Slide Image Placeholder 1"/>
-          <p:cNvSpPr>
-            <a:spLocks noGrp="1" noRot="1" noChangeAspect="1"/>
-          </p:cNvSpPr>
-          <p:nvPr>
-            <p:ph type="sldImg"/>
-          </p:nvPr>
-        </p:nvSpPr>
-        <p:spPr/>
-      </p:sp>
-      <p:sp>
-        <p:nvSpPr>
-          <p:cNvPr id="3" name="Notes Placeholder 2"/>
-          <p:cNvSpPr>
-            <a:spLocks noGrp="1"/>
-          </p:cNvSpPr>
-          <p:nvPr>
-            <p:ph type="body" idx="1"/>
-          </p:nvPr>
-        </p:nvSpPr>
-        <p:spPr/>
-        <p:txBody>
-          <a:bodyPr>
-            <a:noAutofit/>
-          </a:bodyPr>
-          <a:lstStyle/>
-          <a:p>
-            <a:endParaRPr lang="en-GB" dirty="0">
-              <a:solidFill>
-                <a:schemeClr val="tx2"/>
-              </a:solidFill>
-              <a:latin typeface="Segoe" pitchFamily="34" charset="0"/>
-            </a:endParaRPr>
-          </a:p>
-        </p:txBody>
-      </p:sp>
-      <p:sp>
-        <p:nvSpPr>
-          <p:cNvPr id="4" name="Slide Number Placeholder 3"/>
-          <p:cNvSpPr>
-            <a:spLocks noGrp="1"/>
-          </p:cNvSpPr>
-          <p:nvPr>
-            <p:ph type="sldNum" sz="quarter" idx="10"/>
-          </p:nvPr>
-        </p:nvSpPr>
-        <p:spPr/>
-        <p:txBody>
-          <a:bodyPr/>
-          <a:lstStyle/>
-          <a:p>
-            <a:fld id="{13F0F35F-DD44-4607-AEC1-49D7A4BC4066}" type="slidenum">
-              <a:rPr lang="en-US" smtClean="0"/>
-              <a:pPr/>
-              <a:t>12</a:t>
+              <a:t>13</a:t>
             </a:fld>
             <a:endParaRPr lang="en-US" dirty="0"/>
           </a:p>
@@ -6762,19 +6672,7 @@
           <a:p>
             <a:r>
               <a:rPr lang="en-US" dirty="0" smtClean="0"/>
-              <a:t>Starting with </a:t>
-            </a:r>
-            <a:r>
-              <a:rPr lang="en-US" dirty="0" err="1" smtClean="0"/>
-              <a:t>HotTowel</a:t>
-            </a:r>
-            <a:r>
-              <a:rPr lang="en-US" dirty="0" smtClean="0"/>
-              <a:t> by John Papa via </a:t>
-            </a:r>
-            <a:r>
-              <a:rPr lang="en-US" dirty="0" err="1" smtClean="0"/>
-              <a:t>Nuget</a:t>
+              <a:t>Cloning angular/angular-seed</a:t>
             </a:r>
             <a:endParaRPr lang="en-US" dirty="0"/>
           </a:p>
@@ -6783,7 +6681,7 @@
     </p:spTree>
     <p:extLst>
       <p:ext uri="{BB962C8B-B14F-4D97-AF65-F5344CB8AC3E}">
-        <p14:creationId xmlns:p14="http://schemas.microsoft.com/office/powerpoint/2010/main" val="254078508"/>
+        <p14:creationId xmlns:p14="http://schemas.microsoft.com/office/powerpoint/2010/main" val="4031838643"/>
       </p:ext>
     </p:extLst>
   </p:cSld>
@@ -6812,28 +6710,7 @@
       </p:grpSpPr>
       <p:sp>
         <p:nvSpPr>
-          <p:cNvPr id="7" name="Content Placeholder 6"/>
-          <p:cNvSpPr>
-            <a:spLocks noGrp="1"/>
-          </p:cNvSpPr>
-          <p:nvPr>
-            <p:ph sz="quarter" idx="10"/>
-          </p:nvPr>
-        </p:nvSpPr>
-        <p:spPr/>
-        <p:txBody>
-          <a:bodyPr>
-            <a:normAutofit/>
-          </a:bodyPr>
-          <a:lstStyle/>
-          <a:p>
-            <a:endParaRPr lang="en-GB" dirty="0"/>
-          </a:p>
-        </p:txBody>
-      </p:sp>
-      <p:sp>
-        <p:nvSpPr>
-          <p:cNvPr id="2" name="Title 1"/>
+          <p:cNvPr id="4" name="Title 3"/>
           <p:cNvSpPr>
             <a:spLocks noGrp="1"/>
           </p:cNvSpPr>
@@ -6848,7 +6725,7 @@
           <a:p>
             <a:r>
               <a:rPr lang="en-US" dirty="0" smtClean="0"/>
-              <a:t>Resources</a:t>
+              <a:t>Starting with the ng.NET project template</a:t>
             </a:r>
             <a:endParaRPr lang="en-US" dirty="0"/>
           </a:p>
@@ -6857,20 +6734,13 @@
     </p:spTree>
     <p:extLst>
       <p:ext uri="{BB962C8B-B14F-4D97-AF65-F5344CB8AC3E}">
-        <p14:creationId xmlns:p14="http://schemas.microsoft.com/office/powerpoint/2010/main" val="2567384094"/>
+        <p14:creationId xmlns:p14="http://schemas.microsoft.com/office/powerpoint/2010/main" val="2831991818"/>
       </p:ext>
     </p:extLst>
   </p:cSld>
   <p:clrMapOvr>
     <a:masterClrMapping/>
   </p:clrMapOvr>
-  <p:timing>
-    <p:tnLst>
-      <p:par>
-        <p:cTn id="1" dur="indefinite" restart="never" nodeType="tmRoot"/>
-      </p:par>
-    </p:tnLst>
-  </p:timing>
 </p:sld>
 </file>
 
@@ -6893,6 +6763,71 @@
       </p:grpSpPr>
       <p:sp>
         <p:nvSpPr>
+          <p:cNvPr id="4" name="Title 3"/>
+          <p:cNvSpPr>
+            <a:spLocks noGrp="1"/>
+          </p:cNvSpPr>
+          <p:nvPr>
+            <p:ph type="title"/>
+          </p:nvPr>
+        </p:nvSpPr>
+        <p:spPr/>
+        <p:txBody>
+          <a:bodyPr/>
+          <a:lstStyle/>
+          <a:p>
+            <a:r>
+              <a:rPr lang="en-US" dirty="0" smtClean="0"/>
+              <a:t>Starting with </a:t>
+            </a:r>
+            <a:r>
+              <a:rPr lang="en-US" dirty="0" err="1" smtClean="0"/>
+              <a:t>HotTowel</a:t>
+            </a:r>
+            <a:r>
+              <a:rPr lang="en-US" dirty="0" smtClean="0"/>
+              <a:t> by John Papa via </a:t>
+            </a:r>
+            <a:r>
+              <a:rPr lang="en-US" dirty="0" err="1" smtClean="0"/>
+              <a:t>Nuget</a:t>
+            </a:r>
+            <a:endParaRPr lang="en-US" dirty="0"/>
+          </a:p>
+        </p:txBody>
+      </p:sp>
+    </p:spTree>
+    <p:extLst>
+      <p:ext uri="{BB962C8B-B14F-4D97-AF65-F5344CB8AC3E}">
+        <p14:creationId xmlns:p14="http://schemas.microsoft.com/office/powerpoint/2010/main" val="254078508"/>
+      </p:ext>
+    </p:extLst>
+  </p:cSld>
+  <p:clrMapOvr>
+    <a:masterClrMapping/>
+  </p:clrMapOvr>
+</p:sld>
+</file>
+
+<file path=ppt/slides/slide13.xml><?xml version="1.0" encoding="utf-8"?>
+<p:sld xmlns:a="http://schemas.openxmlformats.org/drawingml/2006/main" xmlns:r="http://schemas.openxmlformats.org/officeDocument/2006/relationships" xmlns:p="http://schemas.openxmlformats.org/presentationml/2006/main">
+  <p:cSld>
+    <p:spTree>
+      <p:nvGrpSpPr>
+        <p:cNvPr id="1" name=""/>
+        <p:cNvGrpSpPr/>
+        <p:nvPr/>
+      </p:nvGrpSpPr>
+      <p:grpSpPr>
+        <a:xfrm>
+          <a:off x="0" y="0"/>
+          <a:ext cx="0" cy="0"/>
+          <a:chOff x="0" y="0"/>
+          <a:chExt cx="0" cy="0"/>
+        </a:xfrm>
+      </p:grpSpPr>
+      <p:sp>
+        <p:nvSpPr>
           <p:cNvPr id="7" name="Content Placeholder 6"/>
           <p:cNvSpPr>
             <a:spLocks noGrp="1"/>
@@ -6908,6 +6843,16 @@
           </a:bodyPr>
           <a:lstStyle/>
           <a:p>
+            <a:r>
+              <a:rPr lang="en-GB" dirty="0" smtClean="0"/>
+              <a:t>Options for the client framework</a:t>
+            </a:r>
+          </a:p>
+          <a:p>
+            <a:r>
+              <a:rPr lang="en-GB" dirty="0" smtClean="0"/>
+              <a:t>Getting started with Angular</a:t>
+            </a:r>
             <a:endParaRPr lang="en-GB" dirty="0"/>
           </a:p>
         </p:txBody>
@@ -6955,7 +6900,7 @@
 </p:sld>
 </file>
 
-<file path=ppt/slides/slide13.xml><?xml version="1.0" encoding="utf-8"?>
+<file path=ppt/slides/slide14.xml><?xml version="1.0" encoding="utf-8"?>
 <p:sld xmlns:a="http://schemas.openxmlformats.org/drawingml/2006/main" xmlns:r="http://schemas.openxmlformats.org/officeDocument/2006/relationships" xmlns:p="http://schemas.openxmlformats.org/presentationml/2006/main">
   <p:cSld>
     <p:spTree>
@@ -7053,14 +6998,14 @@
                 <a:gridCol w="5762625">
                   <a:extLst>
                     <a:ext uri="{9D8B030D-6E8A-4147-A177-3AD203B41FA5}">
-                      <a16:colId xmlns="" xmlns:a16="http://schemas.microsoft.com/office/drawing/2014/main" val="1632794655"/>
+                      <a16:colId xmlns:a16="http://schemas.microsoft.com/office/drawing/2014/main" xmlns="" val="1632794655"/>
                     </a:ext>
                   </a:extLst>
                 </a:gridCol>
                 <a:gridCol w="5762625">
                   <a:extLst>
                     <a:ext uri="{9D8B030D-6E8A-4147-A177-3AD203B41FA5}">
-                      <a16:colId xmlns="" xmlns:a16="http://schemas.microsoft.com/office/drawing/2014/main" val="2011313899"/>
+                      <a16:colId xmlns:a16="http://schemas.microsoft.com/office/drawing/2014/main" xmlns="" val="2011313899"/>
                     </a:ext>
                   </a:extLst>
                 </a:gridCol>
@@ -7098,7 +7043,7 @@
                 </a:tc>
                 <a:extLst>
                   <a:ext uri="{0D108BD9-81ED-4DB2-BD59-A6C34878D82A}">
-                    <a16:rowId xmlns="" xmlns:a16="http://schemas.microsoft.com/office/drawing/2014/main" val="1789177411"/>
+                    <a16:rowId xmlns:a16="http://schemas.microsoft.com/office/drawing/2014/main" xmlns="" val="1789177411"/>
                   </a:ext>
                 </a:extLst>
               </a:tr>
@@ -7159,7 +7104,7 @@
                 </a:tc>
                 <a:extLst>
                   <a:ext uri="{0D108BD9-81ED-4DB2-BD59-A6C34878D82A}">
-                    <a16:rowId xmlns="" xmlns:a16="http://schemas.microsoft.com/office/drawing/2014/main" val="3842815335"/>
+                    <a16:rowId xmlns:a16="http://schemas.microsoft.com/office/drawing/2014/main" xmlns="" val="3842815335"/>
                   </a:ext>
                 </a:extLst>
               </a:tr>
@@ -7206,7 +7151,7 @@
                 </a:tc>
                 <a:extLst>
                   <a:ext uri="{0D108BD9-81ED-4DB2-BD59-A6C34878D82A}">
-                    <a16:rowId xmlns="" xmlns:a16="http://schemas.microsoft.com/office/drawing/2014/main" val="321066646"/>
+                    <a16:rowId xmlns:a16="http://schemas.microsoft.com/office/drawing/2014/main" xmlns="" val="321066646"/>
                   </a:ext>
                 </a:extLst>
               </a:tr>
@@ -7277,7 +7222,7 @@
                 </a:tc>
                 <a:extLst>
                   <a:ext uri="{0D108BD9-81ED-4DB2-BD59-A6C34878D82A}">
-                    <a16:rowId xmlns="" xmlns:a16="http://schemas.microsoft.com/office/drawing/2014/main" val="3812060533"/>
+                    <a16:rowId xmlns:a16="http://schemas.microsoft.com/office/drawing/2014/main" xmlns="" val="3812060533"/>
                   </a:ext>
                 </a:extLst>
               </a:tr>
@@ -7519,6 +7464,18 @@
           </a:bodyPr>
           <a:lstStyle/>
           <a:p>
+            <a:r>
+              <a:rPr lang="en-GB" dirty="0" smtClean="0"/>
+              <a:t>Options for the client framework</a:t>
+            </a:r>
+          </a:p>
+          <a:p>
+            <a:r>
+              <a:rPr lang="en-GB" dirty="0" smtClean="0"/>
+              <a:t>Getting started with Angular</a:t>
+            </a:r>
+          </a:p>
+          <a:p>
             <a:endParaRPr lang="en-GB" dirty="0"/>
           </a:p>
         </p:txBody>
@@ -7600,7 +7557,7 @@
           <a:p>
             <a:r>
               <a:rPr lang="en-US" dirty="0" smtClean="0"/>
-              <a:t>Section 1</a:t>
+              <a:t>Options for the Client Framework</a:t>
             </a:r>
             <a:endParaRPr lang="en-US" dirty="0"/>
           </a:p>
@@ -7672,7 +7629,11 @@
           <a:p>
             <a:r>
               <a:rPr lang="en-US" dirty="0" smtClean="0"/>
-              <a:t>Options for Getting Started</a:t>
+              <a:t>Options for </a:t>
+            </a:r>
+            <a:r>
+              <a:rPr lang="en-US" dirty="0" smtClean="0"/>
+              <a:t>the Client Framework</a:t>
             </a:r>
             <a:endParaRPr lang="en-US" dirty="0"/>
           </a:p>
@@ -7695,39 +7656,33 @@
           <a:p>
             <a:r>
               <a:rPr lang="en-US" dirty="0" smtClean="0"/>
-              <a:t>angular from scratch</a:t>
-            </a:r>
-          </a:p>
-          <a:p>
-            <a:r>
-              <a:rPr lang="en-US" dirty="0" smtClean="0"/>
-              <a:t>yeoman generator-angular</a:t>
-            </a:r>
-          </a:p>
-          <a:p>
-            <a:r>
-              <a:rPr lang="en-US" dirty="0" smtClean="0"/>
-              <a:t>angular/angular-seed</a:t>
-            </a:r>
-          </a:p>
-          <a:p>
-            <a:r>
-              <a:rPr lang="en-US" dirty="0" smtClean="0"/>
-              <a:t>ng.NET (VS project template)</a:t>
-            </a:r>
-          </a:p>
-          <a:p>
-            <a:r>
-              <a:rPr lang="en-US" dirty="0" smtClean="0"/>
-              <a:t>Hot Towel by John Papa (via </a:t>
+              <a:t>Plain </a:t>
             </a:r>
             <a:r>
               <a:rPr lang="en-US" dirty="0" err="1" smtClean="0"/>
-              <a:t>Nuget</a:t>
-            </a:r>
-            <a:r>
-              <a:rPr lang="en-US" dirty="0" smtClean="0"/>
-              <a:t>)</a:t>
+              <a:t>ol</a:t>
+            </a:r>
+            <a:r>
+              <a:rPr lang="en-US" dirty="0" smtClean="0"/>
+              <a:t>’ HTML, CSS, and JavaScript</a:t>
+            </a:r>
+          </a:p>
+          <a:p>
+            <a:r>
+              <a:rPr lang="en-US" dirty="0" smtClean="0"/>
+              <a:t>Add jQuery</a:t>
+            </a:r>
+          </a:p>
+          <a:p>
+            <a:r>
+              <a:rPr lang="en-US" dirty="0" smtClean="0"/>
+              <a:t>Backbone</a:t>
+            </a:r>
+          </a:p>
+          <a:p>
+            <a:r>
+              <a:rPr lang="en-US" dirty="0" smtClean="0"/>
+              <a:t>Angular</a:t>
             </a:r>
             <a:endParaRPr lang="en-US" dirty="0"/>
           </a:p>
@@ -7765,12 +7720,12 @@
       </p:grpSpPr>
       <p:sp>
         <p:nvSpPr>
-          <p:cNvPr id="4" name="Title 3"/>
+          <p:cNvPr id="2" name="Text Placeholder 1"/>
           <p:cNvSpPr>
             <a:spLocks noGrp="1"/>
           </p:cNvSpPr>
           <p:nvPr>
-            <p:ph type="title"/>
+            <p:ph type="body" sz="quarter" idx="10"/>
           </p:nvPr>
         </p:nvSpPr>
         <p:spPr/>
@@ -7780,16 +7735,35 @@
           <a:p>
             <a:r>
               <a:rPr lang="en-US" dirty="0" smtClean="0"/>
-              <a:t>Yeoman generator-angular</a:t>
+              <a:t>Getting Started with Angular</a:t>
             </a:r>
             <a:endParaRPr lang="en-US" dirty="0"/>
+          </a:p>
+        </p:txBody>
+      </p:sp>
+      <p:sp>
+        <p:nvSpPr>
+          <p:cNvPr id="3" name="Subtitle 2"/>
+          <p:cNvSpPr>
+            <a:spLocks noGrp="1"/>
+          </p:cNvSpPr>
+          <p:nvPr>
+            <p:ph type="subTitle" idx="1"/>
+          </p:nvPr>
+        </p:nvSpPr>
+        <p:spPr/>
+        <p:txBody>
+          <a:bodyPr/>
+          <a:lstStyle/>
+          <a:p>
+            <a:endParaRPr lang="en-US"/>
           </a:p>
         </p:txBody>
       </p:sp>
     </p:spTree>
     <p:extLst>
       <p:ext uri="{BB962C8B-B14F-4D97-AF65-F5344CB8AC3E}">
-        <p14:creationId xmlns:p14="http://schemas.microsoft.com/office/powerpoint/2010/main" val="961139186"/>
+        <p14:creationId xmlns:p14="http://schemas.microsoft.com/office/powerpoint/2010/main" val="3905098130"/>
       </p:ext>
     </p:extLst>
   </p:cSld>
@@ -7833,7 +7807,74 @@
           <a:p>
             <a:r>
               <a:rPr lang="en-US" dirty="0" smtClean="0"/>
-              <a:t>Cloning angular/angular-seed</a:t>
+              <a:t>Getting </a:t>
+            </a:r>
+            <a:r>
+              <a:rPr lang="en-US" dirty="0" smtClean="0"/>
+              <a:t>Started </a:t>
+            </a:r>
+            <a:r>
+              <a:rPr lang="en-US" dirty="0" smtClean="0"/>
+              <a:t>with </a:t>
+            </a:r>
+            <a:r>
+              <a:rPr lang="en-US" dirty="0" smtClean="0"/>
+              <a:t>Angular</a:t>
+            </a:r>
+            <a:endParaRPr lang="en-US" dirty="0"/>
+          </a:p>
+        </p:txBody>
+      </p:sp>
+      <p:sp>
+        <p:nvSpPr>
+          <p:cNvPr id="5" name="Content Placeholder 4"/>
+          <p:cNvSpPr>
+            <a:spLocks noGrp="1"/>
+          </p:cNvSpPr>
+          <p:nvPr>
+            <p:ph sz="quarter" idx="10"/>
+          </p:nvPr>
+        </p:nvSpPr>
+        <p:spPr/>
+        <p:txBody>
+          <a:bodyPr/>
+          <a:lstStyle/>
+          <a:p>
+            <a:r>
+              <a:rPr lang="en-US" dirty="0" smtClean="0"/>
+              <a:t>angular from scratch</a:t>
+            </a:r>
+          </a:p>
+          <a:p>
+            <a:r>
+              <a:rPr lang="en-US" dirty="0" smtClean="0"/>
+              <a:t>yeoman generator-angular</a:t>
+            </a:r>
+          </a:p>
+          <a:p>
+            <a:r>
+              <a:rPr lang="en-US" dirty="0" smtClean="0"/>
+              <a:t>angular/angular-seed</a:t>
+            </a:r>
+          </a:p>
+          <a:p>
+            <a:r>
+              <a:rPr lang="en-US" dirty="0" smtClean="0"/>
+              <a:t>ng.NET (VS project template)</a:t>
+            </a:r>
+          </a:p>
+          <a:p>
+            <a:r>
+              <a:rPr lang="en-US" dirty="0" smtClean="0"/>
+              <a:t>Hot Towel by John Papa (via </a:t>
+            </a:r>
+            <a:r>
+              <a:rPr lang="en-US" dirty="0" err="1" smtClean="0"/>
+              <a:t>Nuget</a:t>
+            </a:r>
+            <a:r>
+              <a:rPr lang="en-US" dirty="0" smtClean="0"/>
+              <a:t>)</a:t>
             </a:r>
             <a:endParaRPr lang="en-US" dirty="0"/>
           </a:p>
@@ -7842,7 +7883,7 @@
     </p:spTree>
     <p:extLst>
       <p:ext uri="{BB962C8B-B14F-4D97-AF65-F5344CB8AC3E}">
-        <p14:creationId xmlns:p14="http://schemas.microsoft.com/office/powerpoint/2010/main" val="4031838643"/>
+        <p14:creationId xmlns:p14="http://schemas.microsoft.com/office/powerpoint/2010/main" val="1853339224"/>
       </p:ext>
     </p:extLst>
   </p:cSld>
@@ -7886,7 +7927,7 @@
           <a:p>
             <a:r>
               <a:rPr lang="en-US" dirty="0" smtClean="0"/>
-              <a:t>Starting with the ng.NET project template</a:t>
+              <a:t>Yeoman generator-angular</a:t>
             </a:r>
             <a:endParaRPr lang="en-US" dirty="0"/>
           </a:p>
@@ -7895,7 +7936,7 @@
     </p:spTree>
     <p:extLst>
       <p:ext uri="{BB962C8B-B14F-4D97-AF65-F5344CB8AC3E}">
-        <p14:creationId xmlns:p14="http://schemas.microsoft.com/office/powerpoint/2010/main" val="2831991818"/>
+        <p14:creationId xmlns:p14="http://schemas.microsoft.com/office/powerpoint/2010/main" val="961139186"/>
       </p:ext>
     </p:extLst>
   </p:cSld>
@@ -8998,6 +9039,21 @@
 </file>
 
 <file path=customXml/item1.xml><?xml version="1.0" encoding="utf-8"?>
+<?mso-contentType ?>
+<FormTemplates xmlns="http://schemas.microsoft.com/sharepoint/v3/contenttype/forms">
+  <Display>DocumentLibraryForm</Display>
+  <Edit>DocumentLibraryForm</Edit>
+  <New>DocumentLibraryForm</New>
+</FormTemplates>
+</file>
+
+<file path=customXml/item2.xml><?xml version="1.0" encoding="utf-8"?>
+<p:properties xmlns:p="http://schemas.microsoft.com/office/2006/metadata/properties" xmlns:xsi="http://www.w3.org/2001/XMLSchema-instance" xmlns:pc="http://schemas.microsoft.com/office/infopath/2007/PartnerControls">
+  <documentManagement/>
+</p:properties>
+</file>
+
+<file path=customXml/item3.xml><?xml version="1.0" encoding="utf-8"?>
 <ct:contentTypeSchema xmlns:ct="http://schemas.microsoft.com/office/2006/metadata/contentType" xmlns:ma="http://schemas.microsoft.com/office/2006/metadata/properties/metaAttributes" ct:_="" ma:_="" ma:contentTypeName="Document" ma:contentTypeID="0x010100CF3CFFA86DA93345A891C3CCBC738F63" ma:contentTypeVersion="1" ma:contentTypeDescription="Create a new document." ma:contentTypeScope="" ma:versionID="060e45d69093970729cdde03e78aa3cc">
   <xsd:schema xmlns:xsd="http://www.w3.org/2001/XMLSchema" xmlns:xs="http://www.w3.org/2001/XMLSchema" xmlns:p="http://schemas.microsoft.com/office/2006/metadata/properties" xmlns:ns3="ecd1fa32-ae44-48d6-80a1-71a52da60b4a" targetNamespace="http://schemas.microsoft.com/office/2006/metadata/properties" ma:root="true" ma:fieldsID="2fc9741b54117334ed0e10932dac3600" ns3:_="">
     <xsd:import namespace="ecd1fa32-ae44-48d6-80a1-71a52da60b4a"/>
@@ -9137,35 +9193,10 @@
 </ct:contentTypeSchema>
 </file>
 
-<file path=customXml/item2.xml><?xml version="1.0" encoding="utf-8"?>
-<p:properties xmlns:p="http://schemas.microsoft.com/office/2006/metadata/properties" xmlns:xsi="http://www.w3.org/2001/XMLSchema-instance" xmlns:pc="http://schemas.microsoft.com/office/infopath/2007/PartnerControls">
-  <documentManagement/>
-</p:properties>
-</file>
-
-<file path=customXml/item3.xml><?xml version="1.0" encoding="utf-8"?>
-<?mso-contentType ?>
-<FormTemplates xmlns="http://schemas.microsoft.com/sharepoint/v3/contenttype/forms">
-  <Display>DocumentLibraryForm</Display>
-  <Edit>DocumentLibraryForm</Edit>
-  <New>DocumentLibraryForm</New>
-</FormTemplates>
-</file>
-
 <file path=customXml/itemProps1.xml><?xml version="1.0" encoding="utf-8"?>
-<ds:datastoreItem xmlns:ds="http://schemas.openxmlformats.org/officeDocument/2006/customXml" ds:itemID="{A545FFDC-6555-4FAD-8A13-72F96FEB882E}">
+<ds:datastoreItem xmlns:ds="http://schemas.openxmlformats.org/officeDocument/2006/customXml" ds:itemID="{B0CA13EC-1D3C-4D6F-8D1C-E8A452CFC79A}">
   <ds:schemaRefs>
-    <ds:schemaRef ds:uri="http://schemas.microsoft.com/office/2006/metadata/contentType"/>
-    <ds:schemaRef ds:uri="http://schemas.microsoft.com/office/2006/metadata/properties/metaAttributes"/>
-    <ds:schemaRef ds:uri="http://www.w3.org/2001/XMLSchema"/>
-    <ds:schemaRef ds:uri="http://schemas.microsoft.com/office/2006/metadata/properties"/>
-    <ds:schemaRef ds:uri="ecd1fa32-ae44-48d6-80a1-71a52da60b4a"/>
-    <ds:schemaRef ds:uri="http://schemas.microsoft.com/office/2006/documentManagement/types"/>
-    <ds:schemaRef ds:uri="http://schemas.microsoft.com/office/infopath/2007/PartnerControls"/>
-    <ds:schemaRef ds:uri="http://schemas.openxmlformats.org/package/2006/metadata/core-properties"/>
-    <ds:schemaRef ds:uri="http://purl.org/dc/elements/1.1/"/>
-    <ds:schemaRef ds:uri="http://purl.org/dc/terms/"/>
-    <ds:schemaRef ds:uri="http://schemas.microsoft.com/internal/obd"/>
+    <ds:schemaRef ds:uri="http://schemas.microsoft.com/sharepoint/v3/contenttype/forms"/>
   </ds:schemaRefs>
 </ds:datastoreItem>
 </file>
@@ -9187,9 +9218,19 @@
 </file>
 
 <file path=customXml/itemProps3.xml><?xml version="1.0" encoding="utf-8"?>
-<ds:datastoreItem xmlns:ds="http://schemas.openxmlformats.org/officeDocument/2006/customXml" ds:itemID="{B0CA13EC-1D3C-4D6F-8D1C-E8A452CFC79A}">
+<ds:datastoreItem xmlns:ds="http://schemas.openxmlformats.org/officeDocument/2006/customXml" ds:itemID="{A545FFDC-6555-4FAD-8A13-72F96FEB882E}">
   <ds:schemaRefs>
-    <ds:schemaRef ds:uri="http://schemas.microsoft.com/sharepoint/v3/contenttype/forms"/>
+    <ds:schemaRef ds:uri="http://schemas.microsoft.com/office/2006/metadata/contentType"/>
+    <ds:schemaRef ds:uri="http://schemas.microsoft.com/office/2006/metadata/properties/metaAttributes"/>
+    <ds:schemaRef ds:uri="http://www.w3.org/2001/XMLSchema"/>
+    <ds:schemaRef ds:uri="http://schemas.microsoft.com/office/2006/metadata/properties"/>
+    <ds:schemaRef ds:uri="ecd1fa32-ae44-48d6-80a1-71a52da60b4a"/>
+    <ds:schemaRef ds:uri="http://schemas.microsoft.com/office/2006/documentManagement/types"/>
+    <ds:schemaRef ds:uri="http://schemas.microsoft.com/office/infopath/2007/PartnerControls"/>
+    <ds:schemaRef ds:uri="http://schemas.openxmlformats.org/package/2006/metadata/core-properties"/>
+    <ds:schemaRef ds:uri="http://purl.org/dc/elements/1.1/"/>
+    <ds:schemaRef ds:uri="http://purl.org/dc/terms/"/>
+    <ds:schemaRef ds:uri="http://schemas.microsoft.com/internal/obd"/>
   </ds:schemaRefs>
 </ds:datastoreItem>
 </file>